--- a/src/test/main/resource/ppt/第02章 软件测试的基本概念.pptx
+++ b/src/test/main/resource/ppt/第02章 软件测试的基本概念.pptx
@@ -472,35 +472,35 @@
           <a:p>
             <a:pPr lvl="0"/>
             <a:r>
-              <a:rPr lang="zh-CN" altLang="en-US" noProof="0" smtClean="0"/>
+              <a:rPr lang="zh-CN" altLang="en-US" noProof="0"/>
               <a:t>单击此处编辑母版文本样式</a:t>
             </a:r>
           </a:p>
           <a:p>
             <a:pPr lvl="1"/>
             <a:r>
-              <a:rPr lang="zh-CN" altLang="en-US" noProof="0" smtClean="0"/>
+              <a:rPr lang="zh-CN" altLang="en-US" noProof="0"/>
               <a:t>第二级</a:t>
             </a:r>
           </a:p>
           <a:p>
             <a:pPr lvl="2"/>
             <a:r>
-              <a:rPr lang="zh-CN" altLang="en-US" noProof="0" smtClean="0"/>
+              <a:rPr lang="zh-CN" altLang="en-US" noProof="0"/>
               <a:t>第三级</a:t>
             </a:r>
           </a:p>
           <a:p>
             <a:pPr lvl="3"/>
             <a:r>
-              <a:rPr lang="zh-CN" altLang="en-US" noProof="0" smtClean="0"/>
+              <a:rPr lang="zh-CN" altLang="en-US" noProof="0"/>
               <a:t>第四级</a:t>
             </a:r>
           </a:p>
           <a:p>
             <a:pPr lvl="4"/>
             <a:r>
-              <a:rPr lang="zh-CN" altLang="en-US" noProof="0" smtClean="0"/>
+              <a:rPr lang="zh-CN" altLang="en-US" noProof="0"/>
               <a:t>第五级</a:t>
             </a:r>
           </a:p>
@@ -825,10 +825,9 @@
           <a:lstStyle/>
           <a:p>
             <a:r>
-              <a:rPr lang="zh-CN" altLang="en-US" dirty="0" smtClean="0"/>
+              <a:rPr lang="zh-CN" altLang="en-US" dirty="0"/>
               <a:t>还有些其他定义。自己看看</a:t>
             </a:r>
-            <a:endParaRPr lang="zh-CN" altLang="en-US" dirty="0"/>
           </a:p>
         </p:txBody>
       </p:sp>
@@ -914,10 +913,9 @@
           <a:lstStyle/>
           <a:p>
             <a:r>
-              <a:rPr lang="zh-CN" altLang="en-US" dirty="0" smtClean="0"/>
+              <a:rPr lang="zh-CN" altLang="en-US" dirty="0"/>
               <a:t>而不仅仅对程序测试</a:t>
             </a:r>
-            <a:endParaRPr lang="zh-CN" altLang="en-US" dirty="0"/>
           </a:p>
         </p:txBody>
       </p:sp>
@@ -1020,11 +1018,11 @@
               <a:defRPr/>
             </a:pPr>
             <a:r>
-              <a:rPr lang="zh-CN" altLang="en-US" dirty="0" smtClean="0"/>
+              <a:rPr lang="zh-CN" altLang="en-US" dirty="0"/>
               <a:t>黑盒测试又叫：功能测试，数据驱动测试；</a:t>
             </a:r>
             <a:r>
-              <a:rPr lang="zh-CN" altLang="en-US" kern="0" dirty="0" smtClean="0"/>
+              <a:rPr lang="zh-CN" altLang="en-US" kern="0" dirty="0"/>
               <a:t>通过软件的外部表现来发现其缺陷，即测试人员完全不考虑程序内部的逻辑结构和内部特性，只依据程序的需求规格说明书和用户手册，检查程序的功能是否符合它的功能说明，以及性能是否满足用户的要求。因此黑盒测试又叫功能测试或数据驱动测试。</a:t>
             </a:r>
           </a:p>
@@ -1282,10 +1280,9 @@
           <a:lstStyle/>
           <a:p>
             <a:r>
-              <a:rPr lang="zh-CN" altLang="en-US" dirty="0" smtClean="0"/>
+              <a:rPr lang="zh-CN" altLang="en-US" dirty="0"/>
               <a:t>上线前要修复问题</a:t>
             </a:r>
-            <a:endParaRPr lang="zh-CN" altLang="en-US" dirty="0"/>
           </a:p>
         </p:txBody>
       </p:sp>
@@ -1371,7 +1368,7 @@
           <a:lstStyle/>
           <a:p>
             <a:r>
-              <a:rPr lang="en-US" altLang="zh-CN" sz="1200" b="0" i="0" u="none" strike="noStrike" kern="1200" dirty="0" smtClean="0">
+              <a:rPr lang="en-US" altLang="zh-CN" sz="1200" b="0" i="0" u="none" strike="noStrike" kern="1200" dirty="0">
                 <a:solidFill>
                   <a:schemeClr val="tx1"/>
                 </a:solidFill>
@@ -1383,7 +1380,7 @@
               <a:t>1</a:t>
             </a:r>
             <a:r>
-              <a:rPr lang="zh-CN" altLang="en-US" sz="1200" b="0" i="0" u="none" strike="noStrike" kern="1200" dirty="0" smtClean="0">
+              <a:rPr lang="zh-CN" altLang="en-US" sz="1200" b="0" i="0" u="none" strike="noStrike" kern="1200" dirty="0">
                 <a:solidFill>
                   <a:schemeClr val="tx1"/>
                 </a:solidFill>
@@ -1394,7 +1391,7 @@
               </a:rPr>
               <a:t>、目的是为了保证测试工作的客观性。从国外的经验来看，测试逐渐由专业的第三方承担</a:t>
             </a:r>
-            <a:endParaRPr lang="en-US" altLang="zh-CN" sz="1200" b="0" i="0" u="none" strike="noStrike" kern="1200" dirty="0" smtClean="0">
+            <a:endParaRPr lang="en-US" altLang="zh-CN" sz="1200" b="0" i="0" u="none" strike="noStrike" kern="1200" dirty="0">
               <a:solidFill>
                 <a:schemeClr val="tx1"/>
               </a:solidFill>
@@ -1406,7 +1403,7 @@
           </a:p>
           <a:p>
             <a:r>
-              <a:rPr lang="en-US" altLang="zh-CN" sz="1200" b="0" i="0" u="none" strike="noStrike" kern="1200" dirty="0" smtClean="0">
+              <a:rPr lang="en-US" altLang="zh-CN" sz="1200" b="0" i="0" u="none" strike="noStrike" kern="1200" dirty="0">
                 <a:solidFill>
                   <a:schemeClr val="tx1"/>
                 </a:solidFill>
@@ -1418,7 +1415,7 @@
               <a:t>2</a:t>
             </a:r>
             <a:r>
-              <a:rPr lang="zh-CN" altLang="en-US" sz="1200" b="0" i="0" u="none" strike="noStrike" kern="1200" dirty="0" smtClean="0">
+              <a:rPr lang="zh-CN" altLang="en-US" sz="1200" b="0" i="0" u="none" strike="noStrike" kern="1200" dirty="0">
                 <a:solidFill>
                   <a:schemeClr val="tx1"/>
                 </a:solidFill>
@@ -1430,7 +1427,7 @@
               <a:t>、</a:t>
             </a:r>
             <a:r>
-              <a:rPr lang="zh-CN" altLang="en-US" sz="1200" b="0" i="0" u="none" strike="noStrike" kern="1200" dirty="0" smtClean="0">
+              <a:rPr lang="zh-CN" altLang="en-US" sz="1200" b="0" i="0" u="none" strike="noStrike" kern="1200" dirty="0">
                 <a:solidFill>
                   <a:schemeClr val="tx1"/>
                 </a:solidFill>
@@ -1672,7 +1669,7 @@
           <a:bodyPr/>
           <a:lstStyle/>
           <a:p>
-            <a:endParaRPr lang="zh-CN" altLang="zh-CN" smtClean="0">
+            <a:endParaRPr lang="zh-CN" altLang="zh-CN">
               <a:latin typeface="Arial" panose="020B0604020202020204" pitchFamily="34" charset="0"/>
             </a:endParaRPr>
           </a:p>
@@ -1724,10 +1721,9 @@
           <a:lstStyle/>
           <a:p>
             <a:r>
-              <a:rPr lang="zh-CN" altLang="en-US" smtClean="0"/>
+              <a:rPr lang="zh-CN" altLang="en-US"/>
               <a:t>单击此处编辑母版标题样式</a:t>
             </a:r>
-            <a:endParaRPr lang="zh-CN" altLang="en-US"/>
           </a:p>
         </p:txBody>
       </p:sp>
@@ -1789,10 +1785,9 @@
           </a:lstStyle>
           <a:p>
             <a:r>
-              <a:rPr lang="zh-CN" altLang="en-US" smtClean="0"/>
+              <a:rPr lang="zh-CN" altLang="en-US"/>
               <a:t>单击此处编辑母版副标题样式</a:t>
             </a:r>
-            <a:endParaRPr lang="zh-CN" altLang="en-US"/>
           </a:p>
         </p:txBody>
       </p:sp>
@@ -1845,10 +1840,9 @@
           <a:lstStyle/>
           <a:p>
             <a:r>
-              <a:rPr lang="zh-CN" altLang="en-US" smtClean="0"/>
+              <a:rPr lang="zh-CN" altLang="en-US"/>
               <a:t>单击此处编辑母版标题样式</a:t>
             </a:r>
-            <a:endParaRPr lang="zh-CN" altLang="en-US"/>
           </a:p>
         </p:txBody>
       </p:sp>
@@ -1869,38 +1863,37 @@
           <a:p>
             <a:pPr lvl="0"/>
             <a:r>
-              <a:rPr lang="zh-CN" altLang="en-US" smtClean="0"/>
+              <a:rPr lang="zh-CN" altLang="en-US"/>
               <a:t>单击此处编辑母版文本样式</a:t>
             </a:r>
           </a:p>
           <a:p>
             <a:pPr lvl="1"/>
             <a:r>
-              <a:rPr lang="zh-CN" altLang="en-US" smtClean="0"/>
+              <a:rPr lang="zh-CN" altLang="en-US"/>
               <a:t>第二级</a:t>
             </a:r>
           </a:p>
           <a:p>
             <a:pPr lvl="2"/>
             <a:r>
-              <a:rPr lang="zh-CN" altLang="en-US" smtClean="0"/>
+              <a:rPr lang="zh-CN" altLang="en-US"/>
               <a:t>第三级</a:t>
             </a:r>
           </a:p>
           <a:p>
             <a:pPr lvl="3"/>
             <a:r>
-              <a:rPr lang="zh-CN" altLang="en-US" smtClean="0"/>
+              <a:rPr lang="zh-CN" altLang="en-US"/>
               <a:t>第四级</a:t>
             </a:r>
           </a:p>
           <a:p>
             <a:pPr lvl="4"/>
             <a:r>
-              <a:rPr lang="zh-CN" altLang="en-US" smtClean="0"/>
+              <a:rPr lang="zh-CN" altLang="en-US"/>
               <a:t>第五级</a:t>
             </a:r>
-            <a:endParaRPr lang="zh-CN" altLang="en-US"/>
           </a:p>
         </p:txBody>
       </p:sp>
@@ -1958,10 +1951,9 @@
           <a:lstStyle/>
           <a:p>
             <a:r>
-              <a:rPr lang="zh-CN" altLang="en-US" smtClean="0"/>
+              <a:rPr lang="zh-CN" altLang="en-US"/>
               <a:t>单击此处编辑母版标题样式</a:t>
             </a:r>
-            <a:endParaRPr lang="zh-CN" altLang="en-US"/>
           </a:p>
         </p:txBody>
       </p:sp>
@@ -1987,38 +1979,37 @@
           <a:p>
             <a:pPr lvl="0"/>
             <a:r>
-              <a:rPr lang="zh-CN" altLang="en-US" smtClean="0"/>
+              <a:rPr lang="zh-CN" altLang="en-US"/>
               <a:t>单击此处编辑母版文本样式</a:t>
             </a:r>
           </a:p>
           <a:p>
             <a:pPr lvl="1"/>
             <a:r>
-              <a:rPr lang="zh-CN" altLang="en-US" smtClean="0"/>
+              <a:rPr lang="zh-CN" altLang="en-US"/>
               <a:t>第二级</a:t>
             </a:r>
           </a:p>
           <a:p>
             <a:pPr lvl="2"/>
             <a:r>
-              <a:rPr lang="zh-CN" altLang="en-US" smtClean="0"/>
+              <a:rPr lang="zh-CN" altLang="en-US"/>
               <a:t>第三级</a:t>
             </a:r>
           </a:p>
           <a:p>
             <a:pPr lvl="3"/>
             <a:r>
-              <a:rPr lang="zh-CN" altLang="en-US" smtClean="0"/>
+              <a:rPr lang="zh-CN" altLang="en-US"/>
               <a:t>第四级</a:t>
             </a:r>
           </a:p>
           <a:p>
             <a:pPr lvl="4"/>
             <a:r>
-              <a:rPr lang="zh-CN" altLang="en-US" smtClean="0"/>
+              <a:rPr lang="zh-CN" altLang="en-US"/>
               <a:t>第五级</a:t>
             </a:r>
-            <a:endParaRPr lang="zh-CN" altLang="en-US"/>
           </a:p>
         </p:txBody>
       </p:sp>
@@ -3333,7 +3324,7 @@
           <a:p>
             <a:pPr lvl="0"/>
             <a:r>
-              <a:rPr lang="zh-CN" altLang="en-US" noProof="0" smtClean="0"/>
+              <a:rPr lang="zh-CN" altLang="en-US" noProof="0"/>
               <a:t>软件质量保证和管理</a:t>
             </a:r>
           </a:p>
@@ -3370,11 +3361,11 @@
           <a:p>
             <a:pPr lvl="0"/>
             <a:r>
-              <a:rPr lang="en-US" altLang="zh-CN" noProof="0" smtClean="0"/>
+              <a:rPr lang="en-US" altLang="zh-CN" noProof="0"/>
               <a:t>- Ch.2 </a:t>
             </a:r>
             <a:r>
-              <a:rPr lang="zh-CN" altLang="en-US" noProof="0" smtClean="0"/>
+              <a:rPr lang="zh-CN" altLang="en-US" noProof="0"/>
               <a:t>软件质量</a:t>
             </a:r>
           </a:p>
@@ -3520,10 +3511,9 @@
           <a:lstStyle/>
           <a:p>
             <a:r>
-              <a:rPr lang="zh-CN" altLang="en-US" smtClean="0"/>
+              <a:rPr lang="zh-CN" altLang="en-US"/>
               <a:t>单击此处编辑母版标题样式</a:t>
             </a:r>
-            <a:endParaRPr lang="zh-CN" altLang="en-US"/>
           </a:p>
         </p:txBody>
       </p:sp>
@@ -3544,38 +3534,37 @@
           <a:p>
             <a:pPr lvl="0"/>
             <a:r>
-              <a:rPr lang="zh-CN" altLang="en-US" smtClean="0"/>
+              <a:rPr lang="zh-CN" altLang="en-US"/>
               <a:t>单击此处编辑母版文本样式</a:t>
             </a:r>
           </a:p>
           <a:p>
             <a:pPr lvl="1"/>
             <a:r>
-              <a:rPr lang="zh-CN" altLang="en-US" smtClean="0"/>
+              <a:rPr lang="zh-CN" altLang="en-US"/>
               <a:t>第二级</a:t>
             </a:r>
           </a:p>
           <a:p>
             <a:pPr lvl="2"/>
             <a:r>
-              <a:rPr lang="zh-CN" altLang="en-US" smtClean="0"/>
+              <a:rPr lang="zh-CN" altLang="en-US"/>
               <a:t>第三级</a:t>
             </a:r>
           </a:p>
           <a:p>
             <a:pPr lvl="3"/>
             <a:r>
-              <a:rPr lang="zh-CN" altLang="en-US" smtClean="0"/>
+              <a:rPr lang="zh-CN" altLang="en-US"/>
               <a:t>第四级</a:t>
             </a:r>
           </a:p>
           <a:p>
             <a:pPr lvl="4"/>
             <a:r>
-              <a:rPr lang="zh-CN" altLang="en-US" smtClean="0"/>
+              <a:rPr lang="zh-CN" altLang="en-US"/>
               <a:t>第五级</a:t>
             </a:r>
-            <a:endParaRPr lang="zh-CN" altLang="en-US"/>
           </a:p>
         </p:txBody>
       </p:sp>
@@ -3718,10 +3707,9 @@
           </a:lstStyle>
           <a:p>
             <a:r>
-              <a:rPr lang="zh-CN" altLang="en-US" smtClean="0"/>
+              <a:rPr lang="zh-CN" altLang="en-US"/>
               <a:t>单击此处编辑母版标题样式</a:t>
             </a:r>
-            <a:endParaRPr lang="zh-CN" altLang="en-US"/>
           </a:p>
         </p:txBody>
       </p:sp>
@@ -3784,7 +3772,7 @@
           <a:p>
             <a:pPr lvl="0"/>
             <a:r>
-              <a:rPr lang="zh-CN" altLang="en-US" smtClean="0"/>
+              <a:rPr lang="zh-CN" altLang="en-US"/>
               <a:t>单击此处编辑母版文本样式</a:t>
             </a:r>
           </a:p>
@@ -3920,10 +3908,9 @@
           <a:lstStyle/>
           <a:p>
             <a:r>
-              <a:rPr lang="zh-CN" altLang="en-US" smtClean="0"/>
+              <a:rPr lang="zh-CN" altLang="en-US"/>
               <a:t>单击此处编辑母版标题样式</a:t>
             </a:r>
-            <a:endParaRPr lang="zh-CN" altLang="en-US"/>
           </a:p>
         </p:txBody>
       </p:sp>
@@ -3977,38 +3964,37 @@
           <a:p>
             <a:pPr lvl="0"/>
             <a:r>
-              <a:rPr lang="zh-CN" altLang="en-US" smtClean="0"/>
+              <a:rPr lang="zh-CN" altLang="en-US"/>
               <a:t>单击此处编辑母版文本样式</a:t>
             </a:r>
           </a:p>
           <a:p>
             <a:pPr lvl="1"/>
             <a:r>
-              <a:rPr lang="zh-CN" altLang="en-US" smtClean="0"/>
+              <a:rPr lang="zh-CN" altLang="en-US"/>
               <a:t>第二级</a:t>
             </a:r>
           </a:p>
           <a:p>
             <a:pPr lvl="2"/>
             <a:r>
-              <a:rPr lang="zh-CN" altLang="en-US" smtClean="0"/>
+              <a:rPr lang="zh-CN" altLang="en-US"/>
               <a:t>第三级</a:t>
             </a:r>
           </a:p>
           <a:p>
             <a:pPr lvl="3"/>
             <a:r>
-              <a:rPr lang="zh-CN" altLang="en-US" smtClean="0"/>
+              <a:rPr lang="zh-CN" altLang="en-US"/>
               <a:t>第四级</a:t>
             </a:r>
           </a:p>
           <a:p>
             <a:pPr lvl="4"/>
             <a:r>
-              <a:rPr lang="zh-CN" altLang="en-US" smtClean="0"/>
+              <a:rPr lang="zh-CN" altLang="en-US"/>
               <a:t>第五级</a:t>
             </a:r>
-            <a:endParaRPr lang="zh-CN" altLang="en-US"/>
           </a:p>
         </p:txBody>
       </p:sp>
@@ -4062,38 +4048,37 @@
           <a:p>
             <a:pPr lvl="0"/>
             <a:r>
-              <a:rPr lang="zh-CN" altLang="en-US" smtClean="0"/>
+              <a:rPr lang="zh-CN" altLang="en-US"/>
               <a:t>单击此处编辑母版文本样式</a:t>
             </a:r>
           </a:p>
           <a:p>
             <a:pPr lvl="1"/>
             <a:r>
-              <a:rPr lang="zh-CN" altLang="en-US" smtClean="0"/>
+              <a:rPr lang="zh-CN" altLang="en-US"/>
               <a:t>第二级</a:t>
             </a:r>
           </a:p>
           <a:p>
             <a:pPr lvl="2"/>
             <a:r>
-              <a:rPr lang="zh-CN" altLang="en-US" smtClean="0"/>
+              <a:rPr lang="zh-CN" altLang="en-US"/>
               <a:t>第三级</a:t>
             </a:r>
           </a:p>
           <a:p>
             <a:pPr lvl="3"/>
             <a:r>
-              <a:rPr lang="zh-CN" altLang="en-US" smtClean="0"/>
+              <a:rPr lang="zh-CN" altLang="en-US"/>
               <a:t>第四级</a:t>
             </a:r>
           </a:p>
           <a:p>
             <a:pPr lvl="4"/>
             <a:r>
-              <a:rPr lang="zh-CN" altLang="en-US" smtClean="0"/>
+              <a:rPr lang="zh-CN" altLang="en-US"/>
               <a:t>第五级</a:t>
             </a:r>
-            <a:endParaRPr lang="zh-CN" altLang="en-US"/>
           </a:p>
         </p:txBody>
       </p:sp>
@@ -4236,10 +4221,9 @@
           </a:lstStyle>
           <a:p>
             <a:r>
-              <a:rPr lang="zh-CN" altLang="en-US" smtClean="0"/>
+              <a:rPr lang="zh-CN" altLang="en-US"/>
               <a:t>单击此处编辑母版标题样式</a:t>
             </a:r>
-            <a:endParaRPr lang="zh-CN" altLang="en-US"/>
           </a:p>
         </p:txBody>
       </p:sp>
@@ -4302,7 +4286,7 @@
           <a:p>
             <a:pPr lvl="0"/>
             <a:r>
-              <a:rPr lang="zh-CN" altLang="en-US" smtClean="0"/>
+              <a:rPr lang="zh-CN" altLang="en-US"/>
               <a:t>单击此处编辑母版文本样式</a:t>
             </a:r>
           </a:p>
@@ -4358,38 +4342,37 @@
           <a:p>
             <a:pPr lvl="0"/>
             <a:r>
-              <a:rPr lang="zh-CN" altLang="en-US" smtClean="0"/>
+              <a:rPr lang="zh-CN" altLang="en-US"/>
               <a:t>单击此处编辑母版文本样式</a:t>
             </a:r>
           </a:p>
           <a:p>
             <a:pPr lvl="1"/>
             <a:r>
-              <a:rPr lang="zh-CN" altLang="en-US" smtClean="0"/>
+              <a:rPr lang="zh-CN" altLang="en-US"/>
               <a:t>第二级</a:t>
             </a:r>
           </a:p>
           <a:p>
             <a:pPr lvl="2"/>
             <a:r>
-              <a:rPr lang="zh-CN" altLang="en-US" smtClean="0"/>
+              <a:rPr lang="zh-CN" altLang="en-US"/>
               <a:t>第三级</a:t>
             </a:r>
           </a:p>
           <a:p>
             <a:pPr lvl="3"/>
             <a:r>
-              <a:rPr lang="zh-CN" altLang="en-US" smtClean="0"/>
+              <a:rPr lang="zh-CN" altLang="en-US"/>
               <a:t>第四级</a:t>
             </a:r>
           </a:p>
           <a:p>
             <a:pPr lvl="4"/>
             <a:r>
-              <a:rPr lang="zh-CN" altLang="en-US" smtClean="0"/>
+              <a:rPr lang="zh-CN" altLang="en-US"/>
               <a:t>第五级</a:t>
             </a:r>
-            <a:endParaRPr lang="zh-CN" altLang="en-US"/>
           </a:p>
         </p:txBody>
       </p:sp>
@@ -4452,7 +4435,7 @@
           <a:p>
             <a:pPr lvl="0"/>
             <a:r>
-              <a:rPr lang="zh-CN" altLang="en-US" smtClean="0"/>
+              <a:rPr lang="zh-CN" altLang="en-US"/>
               <a:t>单击此处编辑母版文本样式</a:t>
             </a:r>
           </a:p>
@@ -4508,38 +4491,37 @@
           <a:p>
             <a:pPr lvl="0"/>
             <a:r>
-              <a:rPr lang="zh-CN" altLang="en-US" smtClean="0"/>
+              <a:rPr lang="zh-CN" altLang="en-US"/>
               <a:t>单击此处编辑母版文本样式</a:t>
             </a:r>
           </a:p>
           <a:p>
             <a:pPr lvl="1"/>
             <a:r>
-              <a:rPr lang="zh-CN" altLang="en-US" smtClean="0"/>
+              <a:rPr lang="zh-CN" altLang="en-US"/>
               <a:t>第二级</a:t>
             </a:r>
           </a:p>
           <a:p>
             <a:pPr lvl="2"/>
             <a:r>
-              <a:rPr lang="zh-CN" altLang="en-US" smtClean="0"/>
+              <a:rPr lang="zh-CN" altLang="en-US"/>
               <a:t>第三级</a:t>
             </a:r>
           </a:p>
           <a:p>
             <a:pPr lvl="3"/>
             <a:r>
-              <a:rPr lang="zh-CN" altLang="en-US" smtClean="0"/>
+              <a:rPr lang="zh-CN" altLang="en-US"/>
               <a:t>第四级</a:t>
             </a:r>
           </a:p>
           <a:p>
             <a:pPr lvl="4"/>
             <a:r>
-              <a:rPr lang="zh-CN" altLang="en-US" smtClean="0"/>
+              <a:rPr lang="zh-CN" altLang="en-US"/>
               <a:t>第五级</a:t>
             </a:r>
-            <a:endParaRPr lang="zh-CN" altLang="en-US"/>
           </a:p>
         </p:txBody>
       </p:sp>
@@ -4673,10 +4655,9 @@
           <a:lstStyle/>
           <a:p>
             <a:r>
-              <a:rPr lang="zh-CN" altLang="en-US" smtClean="0"/>
+              <a:rPr lang="zh-CN" altLang="en-US"/>
               <a:t>单击此处编辑母版标题样式</a:t>
             </a:r>
-            <a:endParaRPr lang="zh-CN" altLang="en-US"/>
           </a:p>
         </p:txBody>
       </p:sp>
@@ -4933,10 +4914,9 @@
           </a:lstStyle>
           <a:p>
             <a:r>
-              <a:rPr lang="zh-CN" altLang="en-US" smtClean="0"/>
+              <a:rPr lang="zh-CN" altLang="en-US"/>
               <a:t>单击此处编辑母版标题样式</a:t>
             </a:r>
-            <a:endParaRPr lang="zh-CN" altLang="en-US"/>
           </a:p>
         </p:txBody>
       </p:sp>
@@ -4990,38 +4970,37 @@
           <a:p>
             <a:pPr lvl="0"/>
             <a:r>
-              <a:rPr lang="zh-CN" altLang="en-US" smtClean="0"/>
+              <a:rPr lang="zh-CN" altLang="en-US"/>
               <a:t>单击此处编辑母版文本样式</a:t>
             </a:r>
           </a:p>
           <a:p>
             <a:pPr lvl="1"/>
             <a:r>
-              <a:rPr lang="zh-CN" altLang="en-US" smtClean="0"/>
+              <a:rPr lang="zh-CN" altLang="en-US"/>
               <a:t>第二级</a:t>
             </a:r>
           </a:p>
           <a:p>
             <a:pPr lvl="2"/>
             <a:r>
-              <a:rPr lang="zh-CN" altLang="en-US" smtClean="0"/>
+              <a:rPr lang="zh-CN" altLang="en-US"/>
               <a:t>第三级</a:t>
             </a:r>
           </a:p>
           <a:p>
             <a:pPr lvl="3"/>
             <a:r>
-              <a:rPr lang="zh-CN" altLang="en-US" smtClean="0"/>
+              <a:rPr lang="zh-CN" altLang="en-US"/>
               <a:t>第四级</a:t>
             </a:r>
           </a:p>
           <a:p>
             <a:pPr lvl="4"/>
             <a:r>
-              <a:rPr lang="zh-CN" altLang="en-US" smtClean="0"/>
+              <a:rPr lang="zh-CN" altLang="en-US"/>
               <a:t>第五级</a:t>
             </a:r>
-            <a:endParaRPr lang="zh-CN" altLang="en-US"/>
           </a:p>
         </p:txBody>
       </p:sp>
@@ -5084,7 +5063,7 @@
           <a:p>
             <a:pPr lvl="0"/>
             <a:r>
-              <a:rPr lang="zh-CN" altLang="en-US" smtClean="0"/>
+              <a:rPr lang="zh-CN" altLang="en-US"/>
               <a:t>单击此处编辑母版文本样式</a:t>
             </a:r>
           </a:p>
@@ -5220,10 +5199,9 @@
           <a:lstStyle/>
           <a:p>
             <a:r>
-              <a:rPr lang="zh-CN" altLang="en-US" smtClean="0"/>
+              <a:rPr lang="zh-CN" altLang="en-US"/>
               <a:t>单击此处编辑母版标题样式</a:t>
             </a:r>
-            <a:endParaRPr lang="zh-CN" altLang="en-US"/>
           </a:p>
         </p:txBody>
       </p:sp>
@@ -5244,38 +5222,37 @@
           <a:p>
             <a:pPr lvl="0"/>
             <a:r>
-              <a:rPr lang="zh-CN" altLang="en-US" smtClean="0"/>
+              <a:rPr lang="zh-CN" altLang="en-US"/>
               <a:t>单击此处编辑母版文本样式</a:t>
             </a:r>
           </a:p>
           <a:p>
             <a:pPr lvl="1"/>
             <a:r>
-              <a:rPr lang="zh-CN" altLang="en-US" smtClean="0"/>
+              <a:rPr lang="zh-CN" altLang="en-US"/>
               <a:t>第二级</a:t>
             </a:r>
           </a:p>
           <a:p>
             <a:pPr lvl="2"/>
             <a:r>
-              <a:rPr lang="zh-CN" altLang="en-US" smtClean="0"/>
+              <a:rPr lang="zh-CN" altLang="en-US"/>
               <a:t>第三级</a:t>
             </a:r>
           </a:p>
           <a:p>
             <a:pPr lvl="3"/>
             <a:r>
-              <a:rPr lang="zh-CN" altLang="en-US" smtClean="0"/>
+              <a:rPr lang="zh-CN" altLang="en-US"/>
               <a:t>第四级</a:t>
             </a:r>
           </a:p>
           <a:p>
             <a:pPr lvl="4"/>
             <a:r>
-              <a:rPr lang="zh-CN" altLang="en-US" smtClean="0"/>
+              <a:rPr lang="zh-CN" altLang="en-US"/>
               <a:t>第五级</a:t>
             </a:r>
-            <a:endParaRPr lang="zh-CN" altLang="en-US"/>
           </a:p>
         </p:txBody>
       </p:sp>
@@ -5337,10 +5314,9 @@
           </a:lstStyle>
           <a:p>
             <a:r>
-              <a:rPr lang="zh-CN" altLang="en-US" smtClean="0"/>
+              <a:rPr lang="zh-CN" altLang="en-US"/>
               <a:t>单击此处编辑母版标题样式</a:t>
             </a:r>
-            <a:endParaRPr lang="zh-CN" altLang="en-US"/>
           </a:p>
         </p:txBody>
       </p:sp>
@@ -5402,7 +5378,7 @@
           </a:lstStyle>
           <a:p>
             <a:pPr lvl="0"/>
-            <a:endParaRPr lang="zh-CN" altLang="en-US" noProof="0" smtClean="0"/>
+            <a:endParaRPr lang="zh-CN" altLang="en-US" noProof="0"/>
           </a:p>
         </p:txBody>
       </p:sp>
@@ -5465,7 +5441,7 @@
           <a:p>
             <a:pPr lvl="0"/>
             <a:r>
-              <a:rPr lang="zh-CN" altLang="en-US" smtClean="0"/>
+              <a:rPr lang="zh-CN" altLang="en-US"/>
               <a:t>单击此处编辑母版文本样式</a:t>
             </a:r>
           </a:p>
@@ -5601,10 +5577,9 @@
           <a:lstStyle/>
           <a:p>
             <a:r>
-              <a:rPr lang="zh-CN" altLang="en-US" smtClean="0"/>
+              <a:rPr lang="zh-CN" altLang="en-US"/>
               <a:t>单击此处编辑母版标题样式</a:t>
             </a:r>
-            <a:endParaRPr lang="zh-CN" altLang="en-US"/>
           </a:p>
         </p:txBody>
       </p:sp>
@@ -5625,38 +5600,37 @@
           <a:p>
             <a:pPr lvl="0"/>
             <a:r>
-              <a:rPr lang="zh-CN" altLang="en-US" smtClean="0"/>
+              <a:rPr lang="zh-CN" altLang="en-US"/>
               <a:t>单击此处编辑母版文本样式</a:t>
             </a:r>
           </a:p>
           <a:p>
             <a:pPr lvl="1"/>
             <a:r>
-              <a:rPr lang="zh-CN" altLang="en-US" smtClean="0"/>
+              <a:rPr lang="zh-CN" altLang="en-US"/>
               <a:t>第二级</a:t>
             </a:r>
           </a:p>
           <a:p>
             <a:pPr lvl="2"/>
             <a:r>
-              <a:rPr lang="zh-CN" altLang="en-US" smtClean="0"/>
+              <a:rPr lang="zh-CN" altLang="en-US"/>
               <a:t>第三级</a:t>
             </a:r>
           </a:p>
           <a:p>
             <a:pPr lvl="3"/>
             <a:r>
-              <a:rPr lang="zh-CN" altLang="en-US" smtClean="0"/>
+              <a:rPr lang="zh-CN" altLang="en-US"/>
               <a:t>第四级</a:t>
             </a:r>
           </a:p>
           <a:p>
             <a:pPr lvl="4"/>
             <a:r>
-              <a:rPr lang="zh-CN" altLang="en-US" smtClean="0"/>
+              <a:rPr lang="zh-CN" altLang="en-US"/>
               <a:t>第五级</a:t>
             </a:r>
-            <a:endParaRPr lang="zh-CN" altLang="en-US"/>
           </a:p>
         </p:txBody>
       </p:sp>
@@ -5795,10 +5769,9 @@
           <a:lstStyle/>
           <a:p>
             <a:r>
-              <a:rPr lang="zh-CN" altLang="en-US" smtClean="0"/>
+              <a:rPr lang="zh-CN" altLang="en-US"/>
               <a:t>单击此处编辑母版标题样式</a:t>
             </a:r>
-            <a:endParaRPr lang="zh-CN" altLang="en-US"/>
           </a:p>
         </p:txBody>
       </p:sp>
@@ -5824,38 +5797,37 @@
           <a:p>
             <a:pPr lvl="0"/>
             <a:r>
-              <a:rPr lang="zh-CN" altLang="en-US" smtClean="0"/>
+              <a:rPr lang="zh-CN" altLang="en-US"/>
               <a:t>单击此处编辑母版文本样式</a:t>
             </a:r>
           </a:p>
           <a:p>
             <a:pPr lvl="1"/>
             <a:r>
-              <a:rPr lang="zh-CN" altLang="en-US" smtClean="0"/>
+              <a:rPr lang="zh-CN" altLang="en-US"/>
               <a:t>第二级</a:t>
             </a:r>
           </a:p>
           <a:p>
             <a:pPr lvl="2"/>
             <a:r>
-              <a:rPr lang="zh-CN" altLang="en-US" smtClean="0"/>
+              <a:rPr lang="zh-CN" altLang="en-US"/>
               <a:t>第三级</a:t>
             </a:r>
           </a:p>
           <a:p>
             <a:pPr lvl="3"/>
             <a:r>
-              <a:rPr lang="zh-CN" altLang="en-US" smtClean="0"/>
+              <a:rPr lang="zh-CN" altLang="en-US"/>
               <a:t>第四级</a:t>
             </a:r>
           </a:p>
           <a:p>
             <a:pPr lvl="4"/>
             <a:r>
-              <a:rPr lang="zh-CN" altLang="en-US" smtClean="0"/>
+              <a:rPr lang="zh-CN" altLang="en-US"/>
               <a:t>第五级</a:t>
             </a:r>
-            <a:endParaRPr lang="zh-CN" altLang="en-US"/>
           </a:p>
         </p:txBody>
       </p:sp>
@@ -5994,10 +5966,9 @@
           <a:lstStyle/>
           <a:p>
             <a:r>
-              <a:rPr lang="zh-CN" altLang="en-US" smtClean="0"/>
+              <a:rPr lang="zh-CN" altLang="en-US"/>
               <a:t>单击此处编辑母版标题样式</a:t>
             </a:r>
-            <a:endParaRPr lang="zh-CN" altLang="en-US"/>
           </a:p>
         </p:txBody>
       </p:sp>
@@ -6022,7 +5993,7 @@
           <a:lstStyle/>
           <a:p>
             <a:pPr lvl="0"/>
-            <a:endParaRPr lang="zh-CN" altLang="en-US" noProof="0" smtClean="0"/>
+            <a:endParaRPr lang="zh-CN" altLang="en-US" noProof="0"/>
           </a:p>
         </p:txBody>
       </p:sp>
@@ -6161,10 +6132,9 @@
           <a:lstStyle/>
           <a:p>
             <a:r>
-              <a:rPr lang="zh-CN" altLang="en-US" smtClean="0"/>
+              <a:rPr lang="zh-CN" altLang="en-US"/>
               <a:t>单击此处编辑母版标题样式</a:t>
             </a:r>
-            <a:endParaRPr lang="zh-CN" altLang="en-US"/>
           </a:p>
         </p:txBody>
       </p:sp>
@@ -6190,38 +6160,37 @@
           <a:p>
             <a:pPr lvl="0"/>
             <a:r>
-              <a:rPr lang="zh-CN" altLang="en-US" smtClean="0"/>
+              <a:rPr lang="zh-CN" altLang="en-US"/>
               <a:t>单击此处编辑母版文本样式</a:t>
             </a:r>
           </a:p>
           <a:p>
             <a:pPr lvl="1"/>
             <a:r>
-              <a:rPr lang="zh-CN" altLang="en-US" smtClean="0"/>
+              <a:rPr lang="zh-CN" altLang="en-US"/>
               <a:t>第二级</a:t>
             </a:r>
           </a:p>
           <a:p>
             <a:pPr lvl="2"/>
             <a:r>
-              <a:rPr lang="zh-CN" altLang="en-US" smtClean="0"/>
+              <a:rPr lang="zh-CN" altLang="en-US"/>
               <a:t>第三级</a:t>
             </a:r>
           </a:p>
           <a:p>
             <a:pPr lvl="3"/>
             <a:r>
-              <a:rPr lang="zh-CN" altLang="en-US" smtClean="0"/>
+              <a:rPr lang="zh-CN" altLang="en-US"/>
               <a:t>第四级</a:t>
             </a:r>
           </a:p>
           <a:p>
             <a:pPr lvl="4"/>
             <a:r>
-              <a:rPr lang="zh-CN" altLang="en-US" smtClean="0"/>
+              <a:rPr lang="zh-CN" altLang="en-US"/>
               <a:t>第五级</a:t>
             </a:r>
-            <a:endParaRPr lang="zh-CN" altLang="en-US"/>
           </a:p>
         </p:txBody>
       </p:sp>
@@ -6247,38 +6216,37 @@
           <a:p>
             <a:pPr lvl="0"/>
             <a:r>
-              <a:rPr lang="zh-CN" altLang="en-US" smtClean="0"/>
+              <a:rPr lang="zh-CN" altLang="en-US"/>
               <a:t>单击此处编辑母版文本样式</a:t>
             </a:r>
           </a:p>
           <a:p>
             <a:pPr lvl="1"/>
             <a:r>
-              <a:rPr lang="zh-CN" altLang="en-US" smtClean="0"/>
+              <a:rPr lang="zh-CN" altLang="en-US"/>
               <a:t>第二级</a:t>
             </a:r>
           </a:p>
           <a:p>
             <a:pPr lvl="2"/>
             <a:r>
-              <a:rPr lang="zh-CN" altLang="en-US" smtClean="0"/>
+              <a:rPr lang="zh-CN" altLang="en-US"/>
               <a:t>第三级</a:t>
             </a:r>
           </a:p>
           <a:p>
             <a:pPr lvl="3"/>
             <a:r>
-              <a:rPr lang="zh-CN" altLang="en-US" smtClean="0"/>
+              <a:rPr lang="zh-CN" altLang="en-US"/>
               <a:t>第四级</a:t>
             </a:r>
           </a:p>
           <a:p>
             <a:pPr lvl="4"/>
             <a:r>
-              <a:rPr lang="zh-CN" altLang="en-US" smtClean="0"/>
+              <a:rPr lang="zh-CN" altLang="en-US"/>
               <a:t>第五级</a:t>
             </a:r>
-            <a:endParaRPr lang="zh-CN" altLang="en-US"/>
           </a:p>
         </p:txBody>
       </p:sp>
@@ -6421,10 +6389,9 @@
           </a:lstStyle>
           <a:p>
             <a:r>
-              <a:rPr lang="zh-CN" altLang="en-US" smtClean="0"/>
+              <a:rPr lang="zh-CN" altLang="en-US"/>
               <a:t>单击此处编辑母版标题样式</a:t>
             </a:r>
-            <a:endParaRPr lang="zh-CN" altLang="en-US"/>
           </a:p>
         </p:txBody>
       </p:sp>
@@ -6487,7 +6454,7 @@
           <a:p>
             <a:pPr lvl="0"/>
             <a:r>
-              <a:rPr lang="zh-CN" altLang="en-US" smtClean="0"/>
+              <a:rPr lang="zh-CN" altLang="en-US"/>
               <a:t>单击此处编辑母版文本样式</a:t>
             </a:r>
           </a:p>
@@ -6542,10 +6509,9 @@
           <a:lstStyle/>
           <a:p>
             <a:r>
-              <a:rPr lang="zh-CN" altLang="en-US" smtClean="0"/>
+              <a:rPr lang="zh-CN" altLang="en-US"/>
               <a:t>单击此处编辑母版标题样式</a:t>
             </a:r>
-            <a:endParaRPr lang="zh-CN" altLang="en-US"/>
           </a:p>
         </p:txBody>
       </p:sp>
@@ -6599,38 +6565,37 @@
           <a:p>
             <a:pPr lvl="0"/>
             <a:r>
-              <a:rPr lang="zh-CN" altLang="en-US" smtClean="0"/>
+              <a:rPr lang="zh-CN" altLang="en-US"/>
               <a:t>单击此处编辑母版文本样式</a:t>
             </a:r>
           </a:p>
           <a:p>
             <a:pPr lvl="1"/>
             <a:r>
-              <a:rPr lang="zh-CN" altLang="en-US" smtClean="0"/>
+              <a:rPr lang="zh-CN" altLang="en-US"/>
               <a:t>第二级</a:t>
             </a:r>
           </a:p>
           <a:p>
             <a:pPr lvl="2"/>
             <a:r>
-              <a:rPr lang="zh-CN" altLang="en-US" smtClean="0"/>
+              <a:rPr lang="zh-CN" altLang="en-US"/>
               <a:t>第三级</a:t>
             </a:r>
           </a:p>
           <a:p>
             <a:pPr lvl="3"/>
             <a:r>
-              <a:rPr lang="zh-CN" altLang="en-US" smtClean="0"/>
+              <a:rPr lang="zh-CN" altLang="en-US"/>
               <a:t>第四级</a:t>
             </a:r>
           </a:p>
           <a:p>
             <a:pPr lvl="4"/>
             <a:r>
-              <a:rPr lang="zh-CN" altLang="en-US" smtClean="0"/>
+              <a:rPr lang="zh-CN" altLang="en-US"/>
               <a:t>第五级</a:t>
             </a:r>
-            <a:endParaRPr lang="zh-CN" altLang="en-US"/>
           </a:p>
         </p:txBody>
       </p:sp>
@@ -6684,38 +6649,37 @@
           <a:p>
             <a:pPr lvl="0"/>
             <a:r>
-              <a:rPr lang="zh-CN" altLang="en-US" smtClean="0"/>
+              <a:rPr lang="zh-CN" altLang="en-US"/>
               <a:t>单击此处编辑母版文本样式</a:t>
             </a:r>
           </a:p>
           <a:p>
             <a:pPr lvl="1"/>
             <a:r>
-              <a:rPr lang="zh-CN" altLang="en-US" smtClean="0"/>
+              <a:rPr lang="zh-CN" altLang="en-US"/>
               <a:t>第二级</a:t>
             </a:r>
           </a:p>
           <a:p>
             <a:pPr lvl="2"/>
             <a:r>
-              <a:rPr lang="zh-CN" altLang="en-US" smtClean="0"/>
+              <a:rPr lang="zh-CN" altLang="en-US"/>
               <a:t>第三级</a:t>
             </a:r>
           </a:p>
           <a:p>
             <a:pPr lvl="3"/>
             <a:r>
-              <a:rPr lang="zh-CN" altLang="en-US" smtClean="0"/>
+              <a:rPr lang="zh-CN" altLang="en-US"/>
               <a:t>第四级</a:t>
             </a:r>
           </a:p>
           <a:p>
             <a:pPr lvl="4"/>
             <a:r>
-              <a:rPr lang="zh-CN" altLang="en-US" smtClean="0"/>
+              <a:rPr lang="zh-CN" altLang="en-US"/>
               <a:t>第五级</a:t>
             </a:r>
-            <a:endParaRPr lang="zh-CN" altLang="en-US"/>
           </a:p>
         </p:txBody>
       </p:sp>
@@ -6777,10 +6741,9 @@
           </a:lstStyle>
           <a:p>
             <a:r>
-              <a:rPr lang="zh-CN" altLang="en-US" smtClean="0"/>
+              <a:rPr lang="zh-CN" altLang="en-US"/>
               <a:t>单击此处编辑母版标题样式</a:t>
             </a:r>
-            <a:endParaRPr lang="zh-CN" altLang="en-US"/>
           </a:p>
         </p:txBody>
       </p:sp>
@@ -6843,7 +6806,7 @@
           <a:p>
             <a:pPr lvl="0"/>
             <a:r>
-              <a:rPr lang="zh-CN" altLang="en-US" smtClean="0"/>
+              <a:rPr lang="zh-CN" altLang="en-US"/>
               <a:t>单击此处编辑母版文本样式</a:t>
             </a:r>
           </a:p>
@@ -6899,38 +6862,37 @@
           <a:p>
             <a:pPr lvl="0"/>
             <a:r>
-              <a:rPr lang="zh-CN" altLang="en-US" smtClean="0"/>
+              <a:rPr lang="zh-CN" altLang="en-US"/>
               <a:t>单击此处编辑母版文本样式</a:t>
             </a:r>
           </a:p>
           <a:p>
             <a:pPr lvl="1"/>
             <a:r>
-              <a:rPr lang="zh-CN" altLang="en-US" smtClean="0"/>
+              <a:rPr lang="zh-CN" altLang="en-US"/>
               <a:t>第二级</a:t>
             </a:r>
           </a:p>
           <a:p>
             <a:pPr lvl="2"/>
             <a:r>
-              <a:rPr lang="zh-CN" altLang="en-US" smtClean="0"/>
+              <a:rPr lang="zh-CN" altLang="en-US"/>
               <a:t>第三级</a:t>
             </a:r>
           </a:p>
           <a:p>
             <a:pPr lvl="3"/>
             <a:r>
-              <a:rPr lang="zh-CN" altLang="en-US" smtClean="0"/>
+              <a:rPr lang="zh-CN" altLang="en-US"/>
               <a:t>第四级</a:t>
             </a:r>
           </a:p>
           <a:p>
             <a:pPr lvl="4"/>
             <a:r>
-              <a:rPr lang="zh-CN" altLang="en-US" smtClean="0"/>
+              <a:rPr lang="zh-CN" altLang="en-US"/>
               <a:t>第五级</a:t>
             </a:r>
-            <a:endParaRPr lang="zh-CN" altLang="en-US"/>
           </a:p>
         </p:txBody>
       </p:sp>
@@ -6993,7 +6955,7 @@
           <a:p>
             <a:pPr lvl="0"/>
             <a:r>
-              <a:rPr lang="zh-CN" altLang="en-US" smtClean="0"/>
+              <a:rPr lang="zh-CN" altLang="en-US"/>
               <a:t>单击此处编辑母版文本样式</a:t>
             </a:r>
           </a:p>
@@ -7049,38 +7011,37 @@
           <a:p>
             <a:pPr lvl="0"/>
             <a:r>
-              <a:rPr lang="zh-CN" altLang="en-US" smtClean="0"/>
+              <a:rPr lang="zh-CN" altLang="en-US"/>
               <a:t>单击此处编辑母版文本样式</a:t>
             </a:r>
           </a:p>
           <a:p>
             <a:pPr lvl="1"/>
             <a:r>
-              <a:rPr lang="zh-CN" altLang="en-US" smtClean="0"/>
+              <a:rPr lang="zh-CN" altLang="en-US"/>
               <a:t>第二级</a:t>
             </a:r>
           </a:p>
           <a:p>
             <a:pPr lvl="2"/>
             <a:r>
-              <a:rPr lang="zh-CN" altLang="en-US" smtClean="0"/>
+              <a:rPr lang="zh-CN" altLang="en-US"/>
               <a:t>第三级</a:t>
             </a:r>
           </a:p>
           <a:p>
             <a:pPr lvl="3"/>
             <a:r>
-              <a:rPr lang="zh-CN" altLang="en-US" smtClean="0"/>
+              <a:rPr lang="zh-CN" altLang="en-US"/>
               <a:t>第四级</a:t>
             </a:r>
           </a:p>
           <a:p>
             <a:pPr lvl="4"/>
             <a:r>
-              <a:rPr lang="zh-CN" altLang="en-US" smtClean="0"/>
+              <a:rPr lang="zh-CN" altLang="en-US"/>
               <a:t>第五级</a:t>
             </a:r>
-            <a:endParaRPr lang="zh-CN" altLang="en-US"/>
           </a:p>
         </p:txBody>
       </p:sp>
@@ -7133,10 +7094,9 @@
           <a:lstStyle/>
           <a:p>
             <a:r>
-              <a:rPr lang="zh-CN" altLang="en-US" smtClean="0"/>
+              <a:rPr lang="zh-CN" altLang="en-US"/>
               <a:t>单击此处编辑母版标题样式</a:t>
             </a:r>
-            <a:endParaRPr lang="zh-CN" altLang="en-US"/>
           </a:p>
         </p:txBody>
       </p:sp>
@@ -7231,10 +7191,9 @@
           </a:lstStyle>
           <a:p>
             <a:r>
-              <a:rPr lang="zh-CN" altLang="en-US" smtClean="0"/>
+              <a:rPr lang="zh-CN" altLang="en-US"/>
               <a:t>单击此处编辑母版标题样式</a:t>
             </a:r>
-            <a:endParaRPr lang="zh-CN" altLang="en-US"/>
           </a:p>
         </p:txBody>
       </p:sp>
@@ -7288,38 +7247,37 @@
           <a:p>
             <a:pPr lvl="0"/>
             <a:r>
-              <a:rPr lang="zh-CN" altLang="en-US" smtClean="0"/>
+              <a:rPr lang="zh-CN" altLang="en-US"/>
               <a:t>单击此处编辑母版文本样式</a:t>
             </a:r>
           </a:p>
           <a:p>
             <a:pPr lvl="1"/>
             <a:r>
-              <a:rPr lang="zh-CN" altLang="en-US" smtClean="0"/>
+              <a:rPr lang="zh-CN" altLang="en-US"/>
               <a:t>第二级</a:t>
             </a:r>
           </a:p>
           <a:p>
             <a:pPr lvl="2"/>
             <a:r>
-              <a:rPr lang="zh-CN" altLang="en-US" smtClean="0"/>
+              <a:rPr lang="zh-CN" altLang="en-US"/>
               <a:t>第三级</a:t>
             </a:r>
           </a:p>
           <a:p>
             <a:pPr lvl="3"/>
             <a:r>
-              <a:rPr lang="zh-CN" altLang="en-US" smtClean="0"/>
+              <a:rPr lang="zh-CN" altLang="en-US"/>
               <a:t>第四级</a:t>
             </a:r>
           </a:p>
           <a:p>
             <a:pPr lvl="4"/>
             <a:r>
-              <a:rPr lang="zh-CN" altLang="en-US" smtClean="0"/>
+              <a:rPr lang="zh-CN" altLang="en-US"/>
               <a:t>第五级</a:t>
             </a:r>
-            <a:endParaRPr lang="zh-CN" altLang="en-US"/>
           </a:p>
         </p:txBody>
       </p:sp>
@@ -7382,7 +7340,7 @@
           <a:p>
             <a:pPr lvl="0"/>
             <a:r>
-              <a:rPr lang="zh-CN" altLang="en-US" smtClean="0"/>
+              <a:rPr lang="zh-CN" altLang="en-US"/>
               <a:t>单击此处编辑母版文本样式</a:t>
             </a:r>
           </a:p>
@@ -7446,10 +7404,9 @@
           </a:lstStyle>
           <a:p>
             <a:r>
-              <a:rPr lang="zh-CN" altLang="en-US" smtClean="0"/>
+              <a:rPr lang="zh-CN" altLang="en-US"/>
               <a:t>单击此处编辑母版标题样式</a:t>
             </a:r>
-            <a:endParaRPr lang="zh-CN" altLang="en-US"/>
           </a:p>
         </p:txBody>
       </p:sp>
@@ -7511,7 +7468,7 @@
           </a:lstStyle>
           <a:p>
             <a:pPr lvl="0"/>
-            <a:endParaRPr lang="zh-CN" altLang="en-US" noProof="0" smtClean="0"/>
+            <a:endParaRPr lang="zh-CN" altLang="en-US" noProof="0"/>
           </a:p>
         </p:txBody>
       </p:sp>
@@ -7574,7 +7531,7 @@
           <a:p>
             <a:pPr lvl="0"/>
             <a:r>
-              <a:rPr lang="zh-CN" altLang="en-US" smtClean="0"/>
+              <a:rPr lang="zh-CN" altLang="en-US"/>
               <a:t>单击此处编辑母版文本样式</a:t>
             </a:r>
           </a:p>
@@ -7748,7 +7705,7 @@
           <a:p>
             <a:pPr lvl="0"/>
             <a:r>
-              <a:rPr lang="zh-CN" altLang="en-US" smtClean="0"/>
+              <a:rPr lang="zh-CN" altLang="en-US"/>
               <a:t>单击此处编辑母版标题样式</a:t>
             </a:r>
           </a:p>
@@ -7816,35 +7773,35 @@
           <a:p>
             <a:pPr lvl="0"/>
             <a:r>
-              <a:rPr lang="zh-CN" altLang="en-US" smtClean="0"/>
+              <a:rPr lang="zh-CN" altLang="en-US"/>
               <a:t>单击此处编辑母版文本样式</a:t>
             </a:r>
           </a:p>
           <a:p>
             <a:pPr lvl="1"/>
             <a:r>
-              <a:rPr lang="zh-CN" altLang="en-US" smtClean="0"/>
+              <a:rPr lang="zh-CN" altLang="en-US"/>
               <a:t>第二级</a:t>
             </a:r>
           </a:p>
           <a:p>
             <a:pPr lvl="2"/>
             <a:r>
-              <a:rPr lang="zh-CN" altLang="en-US" smtClean="0"/>
+              <a:rPr lang="zh-CN" altLang="en-US"/>
               <a:t>第三级</a:t>
             </a:r>
           </a:p>
           <a:p>
             <a:pPr lvl="3"/>
             <a:r>
-              <a:rPr lang="zh-CN" altLang="en-US" smtClean="0"/>
+              <a:rPr lang="zh-CN" altLang="en-US"/>
               <a:t>第四级</a:t>
             </a:r>
           </a:p>
           <a:p>
             <a:pPr lvl="4"/>
             <a:r>
-              <a:rPr lang="zh-CN" altLang="en-US" smtClean="0"/>
+              <a:rPr lang="zh-CN" altLang="en-US"/>
               <a:t>第五级</a:t>
             </a:r>
           </a:p>
@@ -8407,7 +8364,7 @@
               <a:defRPr/>
             </a:pPr>
             <a:r>
-              <a:rPr lang="en-US" altLang="zh-CN" sz="2000" b="1" smtClean="0">
+              <a:rPr lang="en-US" altLang="zh-CN" sz="2000" b="1">
                 <a:solidFill>
                   <a:srgbClr val="FFFF00"/>
                 </a:solidFill>
@@ -8416,7 +8373,7 @@
               <a:t>《</a:t>
             </a:r>
             <a:r>
-              <a:rPr lang="zh-CN" altLang="en-US" sz="2000" b="1" smtClean="0">
+              <a:rPr lang="zh-CN" altLang="en-US" sz="2000" b="1">
                 <a:solidFill>
                   <a:srgbClr val="FFFF00"/>
                 </a:solidFill>
@@ -8425,7 +8382,7 @@
               <a:t>软件测试与质量保证</a:t>
             </a:r>
             <a:r>
-              <a:rPr lang="en-US" altLang="zh-CN" sz="2000" b="1" smtClean="0">
+              <a:rPr lang="en-US" altLang="zh-CN" sz="2000" b="1">
                 <a:solidFill>
                   <a:srgbClr val="FFFF00"/>
                 </a:solidFill>
@@ -8434,7 +8391,7 @@
               <a:t>》</a:t>
             </a:r>
             <a:r>
-              <a:rPr lang="zh-CN" altLang="en-US" sz="2000" b="1" smtClean="0">
+              <a:rPr lang="zh-CN" altLang="en-US" sz="2000" b="1">
                 <a:solidFill>
                   <a:srgbClr val="FFFF00"/>
                 </a:solidFill>
@@ -8619,63 +8576,6 @@
           </a:p>
         </p:txBody>
       </p:sp>
-      <p:sp>
-        <p:nvSpPr>
-          <p:cNvPr id="16" name="矩形 15"/>
-          <p:cNvSpPr/>
-          <p:nvPr userDrawn="1"/>
-        </p:nvSpPr>
-        <p:spPr>
-          <a:xfrm>
-            <a:off x="7164288" y="6525344"/>
-            <a:ext cx="2160241" cy="307777"/>
-          </a:xfrm>
-          <a:prstGeom prst="rect">
-            <a:avLst/>
-          </a:prstGeom>
-          <a:noFill/>
-        </p:spPr>
-        <p:txBody>
-          <a:bodyPr wrap="square" lIns="91440" tIns="45720" rIns="91440" bIns="45720">
-            <a:spAutoFit/>
-          </a:bodyPr>
-          <a:lstStyle/>
-          <a:p>
-            <a:pPr algn="ctr">
-              <a:buNone/>
-            </a:pPr>
-            <a:r>
-              <a:rPr lang="zh-CN" altLang="en-US" sz="1400" b="1" cap="none" spc="0" dirty="0" smtClean="0">
-                <a:ln w="0"/>
-                <a:solidFill>
-                  <a:srgbClr val="FFFF00"/>
-                </a:solidFill>
-                <a:effectLst>
-                  <a:outerShdw blurRad="38100" dist="19050" dir="2700000" algn="tl" rotWithShape="0">
-                    <a:schemeClr val="dk1">
-                      <a:alpha val="40000"/>
-                    </a:schemeClr>
-                  </a:outerShdw>
-                </a:effectLst>
-              </a:rPr>
-              <a:t>哈尔滨信息工程学院</a:t>
-            </a:r>
-            <a:endParaRPr lang="zh-CN" altLang="en-US" sz="1400" b="1" cap="none" spc="0" dirty="0">
-              <a:ln w="0"/>
-              <a:solidFill>
-                <a:srgbClr val="FFFF00"/>
-              </a:solidFill>
-              <a:effectLst>
-                <a:outerShdw blurRad="38100" dist="19050" dir="2700000" algn="tl" rotWithShape="0">
-                  <a:schemeClr val="dk1">
-                    <a:alpha val="40000"/>
-                  </a:schemeClr>
-                </a:outerShdw>
-              </a:effectLst>
-            </a:endParaRPr>
-          </a:p>
-        </p:txBody>
-      </p:sp>
     </p:spTree>
   </p:cSld>
   <p:clrMap bg1="lt1" tx1="dk1" bg2="lt2" tx2="dk2" accent1="accent1" accent2="accent2" accent3="accent3" accent4="accent4" accent5="accent5" accent6="accent6" hlink="hlink" folHlink="folHlink"/>
@@ -8695,13 +8595,6 @@
   <p:transition>
     <p:zoom/>
   </p:transition>
-  <p:timing>
-    <p:tnLst>
-      <p:par>
-        <p:cTn id="1" dur="indefinite" restart="never" nodeType="tmRoot"/>
-      </p:par>
-    </p:tnLst>
-  </p:timing>
   <p:txStyles>
     <p:titleStyle>
       <a:lvl1pPr algn="ctr" rtl="0" eaLnBrk="0" fontAlgn="base" hangingPunct="0">
@@ -9625,7 +9518,7 @@
           <a:p>
             <a:pPr lvl="0"/>
             <a:r>
-              <a:rPr lang="en-US" altLang="zh-CN" smtClean="0"/>
+              <a:rPr lang="en-US" altLang="zh-CN"/>
               <a:t>Click to edit Master title style</a:t>
             </a:r>
           </a:p>
@@ -9693,14 +9586,14 @@
           <a:p>
             <a:pPr lvl="0"/>
             <a:r>
-              <a:rPr lang="en-US" altLang="zh-CN" smtClean="0"/>
+              <a:rPr lang="en-US" altLang="zh-CN"/>
               <a:t>Click to edit Master text styles</a:t>
             </a:r>
           </a:p>
           <a:p>
             <a:pPr lvl="1"/>
             <a:r>
-              <a:rPr lang="en-US" altLang="zh-CN" smtClean="0"/>
+              <a:rPr lang="en-US" altLang="zh-CN"/>
               <a:t>Second level</a:t>
             </a:r>
           </a:p>
@@ -10183,13 +10076,6 @@
     <p:sldLayoutId id="2147483766" r:id="rId12"/>
     <p:sldLayoutId id="2147483767" r:id="rId13"/>
   </p:sldLayoutIdLst>
-  <p:timing>
-    <p:tnLst>
-      <p:par>
-        <p:cTn id="1" dur="indefinite" restart="never" nodeType="tmRoot"/>
-      </p:par>
-    </p:tnLst>
-  </p:timing>
   <p:txStyles>
     <p:titleStyle>
       <a:lvl1pPr algn="l" rtl="0" eaLnBrk="0" fontAlgn="base" hangingPunct="0">
@@ -10654,15 +10540,15 @@
           <a:p>
             <a:pPr eaLnBrk="1" hangingPunct="1"/>
             <a:r>
-              <a:rPr lang="zh-CN" altLang="en-US" smtClean="0"/>
+              <a:rPr lang="zh-CN" altLang="en-US"/>
               <a:t>第</a:t>
             </a:r>
             <a:r>
-              <a:rPr lang="en-US" altLang="zh-CN" smtClean="0"/>
+              <a:rPr lang="en-US" altLang="zh-CN"/>
               <a:t>2</a:t>
             </a:r>
             <a:r>
-              <a:rPr lang="zh-CN" altLang="en-US" smtClean="0"/>
+              <a:rPr lang="zh-CN" altLang="en-US"/>
               <a:t>章   软件测试的基本概念 </a:t>
             </a:r>
           </a:p>
@@ -10676,13 +10562,6 @@
   <p:transition>
     <p:zoom/>
   </p:transition>
-  <p:timing>
-    <p:tnLst>
-      <p:par>
-        <p:cTn id="1" dur="indefinite" restart="never" nodeType="tmRoot"/>
-      </p:par>
-    </p:tnLst>
-  </p:timing>
 </p:sld>
 </file>
 
@@ -10725,11 +10604,11 @@
           <a:p>
             <a:pPr eaLnBrk="1" hangingPunct="1"/>
             <a:r>
-              <a:rPr lang="en-US" altLang="zh-CN" dirty="0" smtClean="0"/>
+              <a:rPr lang="en-US" altLang="zh-CN" dirty="0"/>
               <a:t>2.2.1 </a:t>
             </a:r>
             <a:r>
-              <a:rPr lang="zh-CN" altLang="en-US" dirty="0" smtClean="0"/>
+              <a:rPr lang="zh-CN" altLang="en-US" dirty="0"/>
               <a:t>按测试技术上分类</a:t>
             </a:r>
           </a:p>
@@ -13742,20 +13621,12 @@
               <a:defRPr/>
             </a:pPr>
             <a:r>
-              <a:rPr lang="zh-CN" altLang="en-US" sz="2800" b="1" dirty="0" smtClean="0">
+              <a:rPr lang="zh-CN" altLang="en-US" sz="2800" b="1" dirty="0">
                 <a:solidFill>
                   <a:schemeClr val="bg1"/>
                 </a:solidFill>
               </a:rPr>
-              <a:t>白盒测试又</a:t>
-            </a:r>
-            <a:r>
-              <a:rPr lang="zh-CN" altLang="en-US" sz="2800" b="1" dirty="0">
-                <a:solidFill>
-                  <a:schemeClr val="bg1"/>
-                </a:solidFill>
-              </a:rPr>
-              <a:t>称为</a:t>
+              <a:t>白盒测试又称为</a:t>
             </a:r>
             <a:r>
               <a:rPr lang="zh-CN" altLang="en-US" sz="2800" b="1" dirty="0">
@@ -13774,14 +13645,14 @@
               <a:t>测试或</a:t>
             </a:r>
             <a:r>
-              <a:rPr lang="zh-CN" altLang="en-US" sz="2800" b="1" dirty="0" smtClean="0">
+              <a:rPr lang="zh-CN" altLang="en-US" sz="2800" b="1" dirty="0">
                 <a:solidFill>
                   <a:srgbClr val="FF0000"/>
                 </a:solidFill>
               </a:rPr>
               <a:t>逻</a:t>
             </a:r>
-            <a:endParaRPr lang="en-US" altLang="zh-CN" sz="2800" b="1" dirty="0" smtClean="0">
+            <a:endParaRPr lang="en-US" altLang="zh-CN" sz="2800" b="1" dirty="0">
               <a:solidFill>
                 <a:srgbClr val="FF0000"/>
               </a:solidFill>
@@ -13804,31 +13675,15 @@
                   <a:srgbClr val="FF0000"/>
                 </a:solidFill>
               </a:rPr>
-              <a:t> </a:t>
-            </a:r>
-            <a:r>
-              <a:rPr lang="en-US" altLang="zh-CN" sz="2800" b="1" dirty="0" smtClean="0">
+              <a:t>    </a:t>
+            </a:r>
+            <a:r>
+              <a:rPr lang="zh-CN" altLang="en-US" sz="2800" b="1" dirty="0">
                 <a:solidFill>
                   <a:srgbClr val="FF0000"/>
                 </a:solidFill>
               </a:rPr>
-              <a:t>   </a:t>
-            </a:r>
-            <a:r>
-              <a:rPr lang="zh-CN" altLang="en-US" sz="2800" b="1" dirty="0" smtClean="0">
-                <a:solidFill>
-                  <a:srgbClr val="FF0000"/>
-                </a:solidFill>
-              </a:rPr>
-              <a:t>辑</a:t>
-            </a:r>
-            <a:r>
-              <a:rPr lang="zh-CN" altLang="en-US" sz="2800" b="1" dirty="0">
-                <a:solidFill>
-                  <a:srgbClr val="FF0000"/>
-                </a:solidFill>
-              </a:rPr>
-              <a:t>驱动</a:t>
+              <a:t>辑驱动</a:t>
             </a:r>
             <a:r>
               <a:rPr lang="zh-CN" altLang="en-US" sz="2800" b="1" dirty="0">
@@ -13838,7 +13693,7 @@
               </a:rPr>
               <a:t>测试</a:t>
             </a:r>
-            <a:endParaRPr lang="zh-CN" altLang="en-US" sz="2800" b="1" dirty="0" smtClean="0">
+            <a:endParaRPr lang="zh-CN" altLang="en-US" sz="2800" b="1" dirty="0">
               <a:solidFill>
                 <a:schemeClr val="bg1"/>
               </a:solidFill>
@@ -13866,13 +13721,6 @@
   <p:transition>
     <p:zoom/>
   </p:transition>
-  <p:timing>
-    <p:tnLst>
-      <p:par>
-        <p:cTn id="1" dur="indefinite" restart="never" nodeType="tmRoot"/>
-      </p:par>
-    </p:tnLst>
-  </p:timing>
 </p:sld>
 </file>
 
@@ -13910,11 +13758,11 @@
           <a:p>
             <a:pPr eaLnBrk="1" hangingPunct="1"/>
             <a:r>
-              <a:rPr lang="en-US" altLang="zh-CN" smtClean="0"/>
+              <a:rPr lang="en-US" altLang="zh-CN"/>
               <a:t>2.2.2 </a:t>
             </a:r>
             <a:r>
-              <a:rPr lang="zh-CN" altLang="en-US" smtClean="0"/>
+              <a:rPr lang="zh-CN" altLang="en-US"/>
               <a:t>按测试方式上分类</a:t>
             </a:r>
           </a:p>
@@ -13941,7 +13789,7 @@
               </a:lnSpc>
             </a:pPr>
             <a:r>
-              <a:rPr lang="zh-CN" altLang="en-US" smtClean="0"/>
+              <a:rPr lang="zh-CN" altLang="en-US"/>
               <a:t>按测试方式上分类，软件测试分为：</a:t>
             </a:r>
           </a:p>
@@ -13954,7 +13802,7 @@
               <a:buChar char="v"/>
             </a:pPr>
             <a:r>
-              <a:rPr lang="zh-CN" altLang="en-US" smtClean="0"/>
+              <a:rPr lang="zh-CN" altLang="en-US"/>
               <a:t>静态测试</a:t>
             </a:r>
           </a:p>
@@ -13967,7 +13815,7 @@
               <a:buChar char="v"/>
             </a:pPr>
             <a:r>
-              <a:rPr lang="zh-CN" altLang="en-US" smtClean="0"/>
+              <a:rPr lang="zh-CN" altLang="en-US"/>
               <a:t>动态测试</a:t>
             </a:r>
           </a:p>
@@ -14206,11 +14054,11 @@
           <a:p>
             <a:pPr eaLnBrk="1" hangingPunct="1"/>
             <a:r>
-              <a:rPr lang="en-US" altLang="zh-CN" smtClean="0"/>
+              <a:rPr lang="en-US" altLang="zh-CN"/>
               <a:t>2.2.2 </a:t>
             </a:r>
             <a:r>
-              <a:rPr lang="zh-CN" altLang="en-US" smtClean="0"/>
+              <a:rPr lang="zh-CN" altLang="en-US"/>
               <a:t>按测试方式上分类</a:t>
             </a:r>
           </a:p>
@@ -14242,18 +14090,18 @@
               </a:lnSpc>
             </a:pPr>
             <a:r>
-              <a:rPr lang="en-US" altLang="zh-CN" dirty="0" smtClean="0">
+              <a:rPr lang="en-US" altLang="zh-CN" dirty="0">
                 <a:latin typeface="宋体" panose="02010600030101010101" pitchFamily="2" charset="-122"/>
               </a:rPr>
               <a:t>1</a:t>
             </a:r>
             <a:r>
-              <a:rPr lang="zh-CN" altLang="en-US" dirty="0" smtClean="0">
+              <a:rPr lang="zh-CN" altLang="en-US" dirty="0">
                 <a:latin typeface="宋体" panose="02010600030101010101" pitchFamily="2" charset="-122"/>
               </a:rPr>
               <a:t>、静态测试：又称静态分析技术，不执行被测程序。</a:t>
             </a:r>
-            <a:endParaRPr lang="en-US" altLang="zh-CN" dirty="0" smtClean="0">
+            <a:endParaRPr lang="en-US" altLang="zh-CN" dirty="0">
               <a:latin typeface="宋体" panose="02010600030101010101" pitchFamily="2" charset="-122"/>
             </a:endParaRPr>
           </a:p>
@@ -14263,7 +14111,7 @@
                 <a:spcPct val="170000"/>
               </a:lnSpc>
             </a:pPr>
-            <a:endParaRPr lang="en-US" altLang="zh-CN" dirty="0" smtClean="0">
+            <a:endParaRPr lang="en-US" altLang="zh-CN" dirty="0">
               <a:latin typeface="宋体" panose="02010600030101010101" pitchFamily="2" charset="-122"/>
             </a:endParaRPr>
           </a:p>
@@ -14276,30 +14124,30 @@
               <a:buAutoNum type="circleNumDbPlain"/>
             </a:pPr>
             <a:r>
-              <a:rPr lang="zh-CN" altLang="en-US" dirty="0" smtClean="0">
+              <a:rPr lang="zh-CN" altLang="en-US" dirty="0">
                 <a:latin typeface="宋体" panose="02010600030101010101" pitchFamily="2" charset="-122"/>
               </a:rPr>
               <a:t>静态分析工具：</a:t>
             </a:r>
             <a:r>
-              <a:rPr lang="en-US" altLang="zh-CN" dirty="0" err="1" smtClean="0">
+              <a:rPr lang="en-US" altLang="zh-CN" dirty="0" err="1">
                 <a:latin typeface="宋体" panose="02010600030101010101" pitchFamily="2" charset="-122"/>
               </a:rPr>
               <a:t>PMD,Findbugs</a:t>
             </a:r>
             <a:r>
-              <a:rPr lang="en-US" altLang="zh-CN" dirty="0" smtClean="0">
+              <a:rPr lang="en-US" altLang="zh-CN" dirty="0">
                 <a:latin typeface="宋体" panose="02010600030101010101" pitchFamily="2" charset="-122"/>
               </a:rPr>
               <a:t>,</a:t>
             </a:r>
             <a:r>
-              <a:rPr lang="zh-CN" altLang="en-US" dirty="0" smtClean="0">
+              <a:rPr lang="zh-CN" altLang="en-US" dirty="0">
                 <a:latin typeface="宋体" panose="02010600030101010101" pitchFamily="2" charset="-122"/>
               </a:rPr>
               <a:t>覆盖率统计工具，代码复杂度分析工具</a:t>
             </a:r>
-            <a:endParaRPr lang="en-US" altLang="zh-CN" dirty="0" smtClean="0">
+            <a:endParaRPr lang="en-US" altLang="zh-CN" dirty="0">
               <a:latin typeface="宋体" panose="02010600030101010101" pitchFamily="2" charset="-122"/>
             </a:endParaRPr>
           </a:p>
@@ -14311,7 +14159,7 @@
               <a:buFont typeface="+mj-ea"/>
               <a:buAutoNum type="circleNumDbPlain"/>
             </a:pPr>
-            <a:endParaRPr lang="en-US" altLang="zh-CN" dirty="0" smtClean="0">
+            <a:endParaRPr lang="en-US" altLang="zh-CN" dirty="0">
               <a:latin typeface="宋体" panose="02010600030101010101" pitchFamily="2" charset="-122"/>
             </a:endParaRPr>
           </a:p>
@@ -14324,55 +14172,55 @@
               <a:buAutoNum type="circleNumDbPlain"/>
             </a:pPr>
             <a:r>
-              <a:rPr lang="zh-CN" altLang="en-US" dirty="0" smtClean="0">
+              <a:rPr lang="zh-CN" altLang="en-US" dirty="0">
                 <a:latin typeface="宋体" panose="02010600030101010101" pitchFamily="2" charset="-122"/>
               </a:rPr>
               <a:t>人工分析：代码</a:t>
             </a:r>
             <a:r>
-              <a:rPr lang="en-US" altLang="zh-CN" dirty="0" smtClean="0">
+              <a:rPr lang="en-US" altLang="zh-CN" dirty="0">
                 <a:latin typeface="宋体" panose="02010600030101010101" pitchFamily="2" charset="-122"/>
               </a:rPr>
               <a:t>review(</a:t>
             </a:r>
             <a:r>
-              <a:rPr lang="zh-CN" altLang="en-US" dirty="0" smtClean="0">
+              <a:rPr lang="zh-CN" altLang="en-US" dirty="0">
                 <a:latin typeface="宋体" panose="02010600030101010101" pitchFamily="2" charset="-122"/>
               </a:rPr>
               <a:t>结构</a:t>
             </a:r>
             <a:r>
-              <a:rPr lang="en-US" altLang="zh-CN" dirty="0" smtClean="0">
+              <a:rPr lang="en-US" altLang="zh-CN" dirty="0">
                 <a:latin typeface="宋体" panose="02010600030101010101" pitchFamily="2" charset="-122"/>
               </a:rPr>
               <a:t>\</a:t>
             </a:r>
             <a:r>
-              <a:rPr lang="zh-CN" altLang="en-US" dirty="0" smtClean="0">
+              <a:rPr lang="zh-CN" altLang="en-US" dirty="0">
                 <a:latin typeface="宋体" panose="02010600030101010101" pitchFamily="2" charset="-122"/>
               </a:rPr>
               <a:t>逻辑</a:t>
             </a:r>
             <a:r>
-              <a:rPr lang="en-US" altLang="zh-CN" dirty="0" smtClean="0">
+              <a:rPr lang="en-US" altLang="zh-CN" dirty="0">
                 <a:latin typeface="宋体" panose="02010600030101010101" pitchFamily="2" charset="-122"/>
               </a:rPr>
               <a:t>\</a:t>
             </a:r>
             <a:r>
-              <a:rPr lang="zh-CN" altLang="en-US" dirty="0" smtClean="0">
+              <a:rPr lang="zh-CN" altLang="en-US" dirty="0">
                 <a:latin typeface="宋体" panose="02010600030101010101" pitchFamily="2" charset="-122"/>
               </a:rPr>
               <a:t>设计</a:t>
             </a:r>
             <a:r>
-              <a:rPr lang="en-US" altLang="zh-CN" dirty="0" smtClean="0">
+              <a:rPr lang="en-US" altLang="zh-CN" dirty="0">
                 <a:latin typeface="宋体" panose="02010600030101010101" pitchFamily="2" charset="-122"/>
               </a:rPr>
               <a:t>)</a:t>
             </a:r>
             <a:r>
-              <a:rPr lang="zh-CN" altLang="en-US" dirty="0" smtClean="0">
+              <a:rPr lang="zh-CN" altLang="en-US" dirty="0">
                 <a:latin typeface="宋体" panose="02010600030101010101" pitchFamily="2" charset="-122"/>
               </a:rPr>
               <a:t>；分析需求；分析设计</a:t>
@@ -14385,7 +14233,7 @@
               </a:lnSpc>
             </a:pPr>
             <a:r>
-              <a:rPr lang="zh-CN" altLang="en-US" dirty="0" smtClean="0">
+              <a:rPr lang="zh-CN" altLang="en-US" dirty="0">
                 <a:latin typeface="宋体" panose="02010600030101010101" pitchFamily="2" charset="-122"/>
               </a:rPr>
               <a:t>		</a:t>
@@ -14529,11 +14377,11 @@
           <a:p>
             <a:pPr eaLnBrk="1" hangingPunct="1"/>
             <a:r>
-              <a:rPr lang="en-US" altLang="zh-CN" smtClean="0"/>
+              <a:rPr lang="en-US" altLang="zh-CN"/>
               <a:t>2.2.2 </a:t>
             </a:r>
             <a:r>
-              <a:rPr lang="zh-CN" altLang="en-US" smtClean="0"/>
+              <a:rPr lang="zh-CN" altLang="en-US"/>
               <a:t>按测试方式上分类</a:t>
             </a:r>
           </a:p>
@@ -14565,13 +14413,13 @@
               </a:lnSpc>
             </a:pPr>
             <a:r>
-              <a:rPr lang="en-US" altLang="zh-CN" dirty="0" smtClean="0">
+              <a:rPr lang="en-US" altLang="zh-CN" dirty="0">
                 <a:latin typeface="宋体" panose="02010600030101010101" pitchFamily="2" charset="-122"/>
               </a:rPr>
               <a:t>2</a:t>
             </a:r>
             <a:r>
-              <a:rPr lang="zh-CN" altLang="en-US" dirty="0" smtClean="0">
+              <a:rPr lang="zh-CN" altLang="en-US" dirty="0">
                 <a:latin typeface="宋体" panose="02010600030101010101" pitchFamily="2" charset="-122"/>
               </a:rPr>
               <a:t>、动态测试</a:t>
@@ -14586,12 +14434,12 @@
               <a:buAutoNum type="circleNumDbPlain"/>
             </a:pPr>
             <a:r>
-              <a:rPr lang="zh-CN" altLang="en-US" dirty="0" smtClean="0">
+              <a:rPr lang="zh-CN" altLang="en-US" dirty="0">
                 <a:latin typeface="宋体" panose="02010600030101010101" pitchFamily="2" charset="-122"/>
               </a:rPr>
               <a:t>执行被测程序，通过执行结果分析软件可能出现的错误。</a:t>
             </a:r>
-            <a:endParaRPr lang="en-US" altLang="zh-CN" dirty="0" smtClean="0">
+            <a:endParaRPr lang="en-US" altLang="zh-CN" dirty="0">
               <a:latin typeface="宋体" panose="02010600030101010101" pitchFamily="2" charset="-122"/>
             </a:endParaRPr>
           </a:p>
@@ -14604,12 +14452,12 @@
               <a:buAutoNum type="circleNumDbPlain"/>
             </a:pPr>
             <a:r>
-              <a:rPr lang="zh-CN" altLang="en-US" dirty="0" smtClean="0">
+              <a:rPr lang="zh-CN" altLang="en-US" dirty="0">
                 <a:latin typeface="宋体" panose="02010600030101010101" pitchFamily="2" charset="-122"/>
               </a:rPr>
               <a:t>输入与输出关系是否正确</a:t>
             </a:r>
-            <a:endParaRPr lang="en-US" altLang="zh-CN" dirty="0" smtClean="0">
+            <a:endParaRPr lang="en-US" altLang="zh-CN" dirty="0">
               <a:latin typeface="宋体" panose="02010600030101010101" pitchFamily="2" charset="-122"/>
             </a:endParaRPr>
           </a:p>
@@ -14622,10 +14470,10 @@
               <a:buAutoNum type="circleNumDbPlain"/>
             </a:pPr>
             <a:r>
-              <a:rPr kumimoji="1" lang="zh-CN" altLang="en-US" dirty="0" smtClean="0"/>
+              <a:rPr kumimoji="1" lang="zh-CN" altLang="en-US" dirty="0"/>
               <a:t>如 功能与接口测试</a:t>
             </a:r>
-            <a:endParaRPr lang="en-US" altLang="zh-CN" dirty="0" smtClean="0">
+            <a:endParaRPr lang="en-US" altLang="zh-CN" dirty="0">
               <a:latin typeface="宋体" panose="02010600030101010101" pitchFamily="2" charset="-122"/>
             </a:endParaRPr>
           </a:p>
@@ -14889,11 +14737,11 @@
           <a:p>
             <a:pPr eaLnBrk="1" hangingPunct="1"/>
             <a:r>
-              <a:rPr lang="en-US" altLang="zh-CN" smtClean="0"/>
+              <a:rPr lang="en-US" altLang="zh-CN"/>
               <a:t>2.2.3 </a:t>
             </a:r>
             <a:r>
-              <a:rPr lang="zh-CN" altLang="en-US" smtClean="0"/>
+              <a:rPr lang="zh-CN" altLang="en-US"/>
               <a:t>按测试阶段分类 </a:t>
             </a:r>
           </a:p>
@@ -14925,7 +14773,7 @@
               </a:lnSpc>
             </a:pPr>
             <a:r>
-              <a:rPr lang="zh-CN" altLang="en-US" smtClean="0"/>
+              <a:rPr lang="zh-CN" altLang="en-US"/>
               <a:t>按测试阶段分，软件测试分为：</a:t>
             </a:r>
           </a:p>
@@ -14938,7 +14786,7 @@
               <a:buChar char="v"/>
             </a:pPr>
             <a:r>
-              <a:rPr lang="zh-CN" altLang="en-US" smtClean="0"/>
+              <a:rPr lang="zh-CN" altLang="en-US"/>
               <a:t>单元测试</a:t>
             </a:r>
           </a:p>
@@ -14951,7 +14799,7 @@
               <a:buChar char="v"/>
             </a:pPr>
             <a:r>
-              <a:rPr lang="zh-CN" altLang="en-US" smtClean="0"/>
+              <a:rPr lang="zh-CN" altLang="en-US"/>
               <a:t>集成测试 </a:t>
             </a:r>
           </a:p>
@@ -14964,7 +14812,7 @@
               <a:buChar char="v"/>
             </a:pPr>
             <a:r>
-              <a:rPr lang="zh-CN" altLang="en-US" smtClean="0"/>
+              <a:rPr lang="zh-CN" altLang="en-US"/>
               <a:t>系统测试</a:t>
             </a:r>
           </a:p>
@@ -14977,7 +14825,7 @@
               <a:buChar char="v"/>
             </a:pPr>
             <a:r>
-              <a:rPr lang="zh-CN" altLang="en-US" smtClean="0"/>
+              <a:rPr lang="zh-CN" altLang="en-US"/>
               <a:t>验收测试</a:t>
             </a:r>
           </a:p>
@@ -15248,11 +15096,11 @@
           <a:p>
             <a:pPr eaLnBrk="1" hangingPunct="1"/>
             <a:r>
-              <a:rPr lang="en-US" altLang="zh-CN" smtClean="0"/>
+              <a:rPr lang="en-US" altLang="zh-CN"/>
               <a:t>2.2.3 </a:t>
             </a:r>
             <a:r>
-              <a:rPr lang="zh-CN" altLang="en-US" smtClean="0"/>
+              <a:rPr lang="zh-CN" altLang="en-US"/>
               <a:t>按测试阶段分类 </a:t>
             </a:r>
           </a:p>
@@ -15284,11 +15132,11 @@
               </a:lnSpc>
             </a:pPr>
             <a:r>
-              <a:rPr lang="en-US" altLang="zh-CN" smtClean="0"/>
+              <a:rPr lang="en-US" altLang="zh-CN"/>
               <a:t>1</a:t>
             </a:r>
             <a:r>
-              <a:rPr lang="zh-CN" altLang="en-US" smtClean="0"/>
+              <a:rPr lang="zh-CN" altLang="en-US"/>
               <a:t>、单元测试</a:t>
             </a:r>
           </a:p>
@@ -15299,15 +15147,15 @@
               </a:lnSpc>
             </a:pPr>
             <a:r>
-              <a:rPr lang="zh-CN" altLang="en-US" smtClean="0"/>
+              <a:rPr lang="zh-CN" altLang="en-US"/>
               <a:t>		单元测试是对软件设计的最小单元</a:t>
             </a:r>
             <a:r>
-              <a:rPr lang="en-US" altLang="zh-CN" smtClean="0"/>
+              <a:rPr lang="en-US" altLang="zh-CN"/>
               <a:t>——</a:t>
             </a:r>
             <a:r>
-              <a:rPr lang="zh-CN" altLang="en-US" smtClean="0"/>
+              <a:rPr lang="zh-CN" altLang="en-US"/>
               <a:t>模块进行正确性检验的测试工作。</a:t>
             </a:r>
           </a:p>
@@ -15318,7 +15166,7 @@
               </a:lnSpc>
             </a:pPr>
             <a:r>
-              <a:rPr lang="zh-CN" altLang="en-US" smtClean="0"/>
+              <a:rPr lang="zh-CN" altLang="en-US"/>
               <a:t>单元测试的目的：</a:t>
             </a:r>
           </a:p>
@@ -15329,7 +15177,7 @@
               </a:lnSpc>
             </a:pPr>
             <a:r>
-              <a:rPr lang="zh-CN" altLang="en-US" smtClean="0"/>
+              <a:rPr lang="zh-CN" altLang="en-US"/>
               <a:t>	主要是测试模块在语法、格式和逻辑上的错误。</a:t>
             </a:r>
           </a:p>
@@ -15593,11 +15441,11 @@
           <a:p>
             <a:pPr eaLnBrk="1" hangingPunct="1"/>
             <a:r>
-              <a:rPr lang="en-US" altLang="zh-CN" smtClean="0"/>
+              <a:rPr lang="en-US" altLang="zh-CN"/>
               <a:t>2.2.3 </a:t>
             </a:r>
             <a:r>
-              <a:rPr lang="zh-CN" altLang="en-US" smtClean="0"/>
+              <a:rPr lang="zh-CN" altLang="en-US"/>
               <a:t>按测试阶段分类 </a:t>
             </a:r>
           </a:p>
@@ -15629,11 +15477,11 @@
               </a:lnSpc>
             </a:pPr>
             <a:r>
-              <a:rPr lang="en-US" altLang="zh-CN" dirty="0" smtClean="0"/>
+              <a:rPr lang="en-US" altLang="zh-CN" dirty="0"/>
               <a:t>2</a:t>
             </a:r>
             <a:r>
-              <a:rPr lang="zh-CN" altLang="en-US" dirty="0" smtClean="0"/>
+              <a:rPr lang="zh-CN" altLang="en-US" dirty="0"/>
               <a:t>、集成测试 </a:t>
             </a:r>
           </a:p>
@@ -15644,7 +15492,7 @@
               </a:lnSpc>
             </a:pPr>
             <a:r>
-              <a:rPr lang="zh-CN" altLang="en-US" dirty="0" smtClean="0"/>
+              <a:rPr lang="zh-CN" altLang="en-US" dirty="0"/>
               <a:t>		集成测试也称为联合测试，集成测试按设计要求把通过单元测试的各个模块组装在一起之后所进行的测试。</a:t>
             </a:r>
           </a:p>
@@ -15655,7 +15503,7 @@
               </a:lnSpc>
             </a:pPr>
             <a:r>
-              <a:rPr lang="zh-CN" altLang="en-US" dirty="0" smtClean="0"/>
+              <a:rPr lang="zh-CN" altLang="en-US" dirty="0"/>
               <a:t>集成测试的目的：</a:t>
             </a:r>
           </a:p>
@@ -15666,7 +15514,7 @@
               </a:lnSpc>
             </a:pPr>
             <a:r>
-              <a:rPr lang="zh-CN" altLang="en-US" dirty="0" smtClean="0"/>
+              <a:rPr lang="zh-CN" altLang="en-US" dirty="0"/>
               <a:t>	检查模块间的接口关系，以便发现与接口有关的各种错误。</a:t>
             </a:r>
           </a:p>
@@ -15930,11 +15778,11 @@
           <a:p>
             <a:pPr eaLnBrk="1" hangingPunct="1"/>
             <a:r>
-              <a:rPr lang="en-US" altLang="zh-CN" smtClean="0"/>
+              <a:rPr lang="en-US" altLang="zh-CN"/>
               <a:t>2.2.3 </a:t>
             </a:r>
             <a:r>
-              <a:rPr lang="zh-CN" altLang="en-US" smtClean="0"/>
+              <a:rPr lang="zh-CN" altLang="en-US"/>
               <a:t>按测试阶段分类 </a:t>
             </a:r>
           </a:p>
@@ -15966,11 +15814,11 @@
               </a:lnSpc>
             </a:pPr>
             <a:r>
-              <a:rPr lang="en-US" altLang="zh-CN" dirty="0" smtClean="0"/>
+              <a:rPr lang="en-US" altLang="zh-CN" dirty="0"/>
               <a:t>3</a:t>
             </a:r>
             <a:r>
-              <a:rPr lang="zh-CN" altLang="en-US" dirty="0" smtClean="0"/>
+              <a:rPr lang="zh-CN" altLang="en-US" dirty="0"/>
               <a:t>、系统测试 </a:t>
             </a:r>
           </a:p>
@@ -15981,7 +15829,7 @@
               </a:lnSpc>
             </a:pPr>
             <a:r>
-              <a:rPr lang="zh-CN" altLang="en-US" dirty="0" smtClean="0"/>
+              <a:rPr lang="zh-CN" altLang="en-US" dirty="0"/>
               <a:t>		系统测试是将已经集成好的软件系统置于实际运行环境中所进行的测试。</a:t>
             </a:r>
           </a:p>
@@ -15992,7 +15840,7 @@
               </a:lnSpc>
             </a:pPr>
             <a:r>
-              <a:rPr lang="zh-CN" altLang="en-US" dirty="0" smtClean="0"/>
+              <a:rPr lang="zh-CN" altLang="en-US" dirty="0"/>
               <a:t>系统测试的目的：</a:t>
             </a:r>
           </a:p>
@@ -16003,11 +15851,11 @@
               </a:lnSpc>
             </a:pPr>
             <a:r>
-              <a:rPr lang="zh-CN" altLang="en-US" dirty="0" smtClean="0"/>
+              <a:rPr lang="zh-CN" altLang="en-US" dirty="0"/>
               <a:t>		系统是否满足</a:t>
             </a:r>
             <a:r>
-              <a:rPr lang="zh-CN" altLang="en-US" dirty="0" smtClean="0">
+              <a:rPr lang="zh-CN" altLang="en-US" dirty="0">
                 <a:solidFill>
                   <a:srgbClr val="FF0000"/>
                 </a:solidFill>
@@ -16015,7 +15863,7 @@
               <a:t>性能、安全、数据</a:t>
             </a:r>
             <a:r>
-              <a:rPr lang="zh-CN" altLang="en-US" dirty="0" smtClean="0"/>
+              <a:rPr lang="zh-CN" altLang="en-US" dirty="0"/>
               <a:t>等方面的要求。</a:t>
             </a:r>
           </a:p>
@@ -16279,11 +16127,11 @@
           <a:p>
             <a:pPr eaLnBrk="1" hangingPunct="1"/>
             <a:r>
-              <a:rPr lang="en-US" altLang="zh-CN" smtClean="0"/>
+              <a:rPr lang="en-US" altLang="zh-CN"/>
               <a:t>2.2.3 </a:t>
             </a:r>
             <a:r>
-              <a:rPr lang="zh-CN" altLang="en-US" smtClean="0"/>
+              <a:rPr lang="zh-CN" altLang="en-US"/>
               <a:t>按测试阶段分类 </a:t>
             </a:r>
           </a:p>
@@ -16315,11 +16163,11 @@
               </a:lnSpc>
             </a:pPr>
             <a:r>
-              <a:rPr lang="en-US" altLang="zh-CN" dirty="0" smtClean="0"/>
+              <a:rPr lang="en-US" altLang="zh-CN" dirty="0"/>
               <a:t>4</a:t>
             </a:r>
             <a:r>
-              <a:rPr lang="zh-CN" altLang="en-US" dirty="0" smtClean="0"/>
+              <a:rPr lang="zh-CN" altLang="en-US" dirty="0"/>
               <a:t>、确认测试 </a:t>
             </a:r>
           </a:p>
@@ -16330,11 +16178,11 @@
               </a:lnSpc>
             </a:pPr>
             <a:r>
-              <a:rPr lang="zh-CN" altLang="en-US" sz="2000" dirty="0" smtClean="0"/>
+              <a:rPr lang="zh-CN" altLang="en-US" sz="2000" dirty="0"/>
               <a:t>		确认测试又称</a:t>
             </a:r>
             <a:r>
-              <a:rPr lang="zh-CN" altLang="en-US" sz="2000" dirty="0" smtClean="0">
+              <a:rPr lang="zh-CN" altLang="en-US" sz="2000" dirty="0">
                 <a:solidFill>
                   <a:srgbClr val="FF0000"/>
                 </a:solidFill>
@@ -16342,7 +16190,7 @@
               <a:t>验收测试</a:t>
             </a:r>
             <a:r>
-              <a:rPr lang="zh-CN" altLang="en-US" sz="2000" dirty="0" smtClean="0"/>
+              <a:rPr lang="zh-CN" altLang="en-US" sz="2000" dirty="0"/>
               <a:t>，是软件开发结束后，用户对软件产品投入实际应用前，进行的最后一次质量检验活动。它要回答开发的软件产品是否符合预期的各项要求，以及用户能否接受的问题。</a:t>
             </a:r>
           </a:p>
@@ -16353,7 +16201,7 @@
               </a:lnSpc>
             </a:pPr>
             <a:r>
-              <a:rPr lang="zh-CN" altLang="en-US" sz="2000" dirty="0" smtClean="0"/>
+              <a:rPr lang="zh-CN" altLang="en-US" sz="2000" dirty="0"/>
               <a:t>确认测试的目的：</a:t>
             </a:r>
           </a:p>
@@ -16364,7 +16212,7 @@
               </a:lnSpc>
             </a:pPr>
             <a:r>
-              <a:rPr lang="zh-CN" altLang="en-US" sz="2000" dirty="0" smtClean="0"/>
+              <a:rPr lang="zh-CN" altLang="en-US" sz="2000" dirty="0"/>
               <a:t>		验证软件功能的正确性和需求的符合性。</a:t>
             </a:r>
           </a:p>
@@ -16628,11 +16476,11 @@
           <a:p>
             <a:pPr eaLnBrk="1" hangingPunct="1"/>
             <a:r>
-              <a:rPr lang="en-US" altLang="zh-CN" smtClean="0"/>
+              <a:rPr lang="en-US" altLang="zh-CN"/>
               <a:t>2.2.4 </a:t>
             </a:r>
             <a:r>
-              <a:rPr lang="zh-CN" altLang="en-US" smtClean="0"/>
+              <a:rPr lang="zh-CN" altLang="en-US"/>
               <a:t>按测试实施组织分类 </a:t>
             </a:r>
           </a:p>
@@ -16659,7 +16507,7 @@
               </a:lnSpc>
             </a:pPr>
             <a:r>
-              <a:rPr lang="zh-CN" altLang="en-US" smtClean="0"/>
+              <a:rPr lang="zh-CN" altLang="en-US"/>
               <a:t>按测试实施组织，软件测试可分为：</a:t>
             </a:r>
           </a:p>
@@ -16672,7 +16520,7 @@
               <a:buChar char="v"/>
             </a:pPr>
             <a:r>
-              <a:rPr lang="zh-CN" altLang="en-US" smtClean="0"/>
+              <a:rPr lang="zh-CN" altLang="en-US"/>
               <a:t>开发方测试</a:t>
             </a:r>
           </a:p>
@@ -16685,7 +16533,7 @@
               <a:buChar char="v"/>
             </a:pPr>
             <a:r>
-              <a:rPr lang="zh-CN" altLang="en-US" smtClean="0"/>
+              <a:rPr lang="zh-CN" altLang="en-US"/>
               <a:t>用户方测试 </a:t>
             </a:r>
           </a:p>
@@ -16698,7 +16546,7 @@
               <a:buChar char="v"/>
             </a:pPr>
             <a:r>
-              <a:rPr lang="zh-CN" altLang="en-US" smtClean="0"/>
+              <a:rPr lang="zh-CN" altLang="en-US"/>
               <a:t>第三方测试</a:t>
             </a:r>
           </a:p>
@@ -16926,7 +16774,7 @@
           <a:p>
             <a:pPr eaLnBrk="1" hangingPunct="1"/>
             <a:r>
-              <a:rPr lang="zh-CN" altLang="en-US" smtClean="0"/>
+              <a:rPr lang="zh-CN" altLang="en-US"/>
               <a:t>内容提要</a:t>
             </a:r>
           </a:p>
@@ -16958,7 +16806,7 @@
               </a:lnSpc>
             </a:pPr>
             <a:r>
-              <a:rPr lang="zh-CN" altLang="en-US" smtClean="0"/>
+              <a:rPr lang="zh-CN" altLang="en-US"/>
               <a:t>本章包含三个方面的内容：</a:t>
             </a:r>
           </a:p>
@@ -16969,11 +16817,11 @@
               </a:lnSpc>
             </a:pPr>
             <a:r>
-              <a:rPr lang="en-US" altLang="zh-CN" smtClean="0"/>
+              <a:rPr lang="en-US" altLang="zh-CN"/>
               <a:t>2.1 </a:t>
             </a:r>
             <a:r>
-              <a:rPr lang="zh-CN" altLang="en-US" smtClean="0"/>
+              <a:rPr lang="zh-CN" altLang="en-US"/>
               <a:t>软件测试的概念 </a:t>
             </a:r>
           </a:p>
@@ -16984,11 +16832,11 @@
               </a:lnSpc>
             </a:pPr>
             <a:r>
-              <a:rPr lang="en-US" altLang="zh-CN" smtClean="0"/>
+              <a:rPr lang="en-US" altLang="zh-CN"/>
               <a:t>2.2 </a:t>
             </a:r>
             <a:r>
-              <a:rPr lang="zh-CN" altLang="en-US" smtClean="0">
+              <a:rPr lang="zh-CN" altLang="en-US">
                 <a:solidFill>
                   <a:srgbClr val="FFFFFF"/>
                 </a:solidFill>
@@ -16996,7 +16844,7 @@
               </a:rPr>
               <a:t>软件测试的分类 </a:t>
             </a:r>
-            <a:endParaRPr lang="zh-CN" altLang="en-US" smtClean="0">
+            <a:endParaRPr lang="zh-CN" altLang="en-US">
               <a:solidFill>
                 <a:srgbClr val="FFFFFF"/>
               </a:solidFill>
@@ -17009,7 +16857,7 @@
               </a:lnSpc>
             </a:pPr>
             <a:r>
-              <a:rPr lang="en-US" altLang="zh-CN" smtClean="0">
+              <a:rPr lang="en-US" altLang="zh-CN">
                 <a:solidFill>
                   <a:srgbClr val="FFFFFF"/>
                 </a:solidFill>
@@ -17017,7 +16865,7 @@
               <a:t>2.3 </a:t>
             </a:r>
             <a:r>
-              <a:rPr lang="zh-CN" altLang="en-US" smtClean="0">
+              <a:rPr lang="zh-CN" altLang="en-US">
                 <a:solidFill>
                   <a:srgbClr val="FFFFFF"/>
                 </a:solidFill>
@@ -17026,12 +16874,12 @@
               <a:t>软件测试的最佳实践</a:t>
             </a:r>
             <a:r>
-              <a:rPr lang="zh-CN" altLang="en-US" smtClean="0">
+              <a:rPr lang="zh-CN" altLang="en-US">
                 <a:hlinkClick r:id="rId3" action="ppaction://hlinksldjump"/>
               </a:rPr>
               <a:t> </a:t>
             </a:r>
-            <a:endParaRPr lang="zh-CN" altLang="en-US" smtClean="0"/>
+            <a:endParaRPr lang="zh-CN" altLang="en-US"/>
           </a:p>
         </p:txBody>
       </p:sp>
@@ -17043,13 +16891,6 @@
   <p:transition>
     <p:zoom/>
   </p:transition>
-  <p:timing>
-    <p:tnLst>
-      <p:par>
-        <p:cTn id="1" dur="indefinite" restart="never" nodeType="tmRoot"/>
-      </p:par>
-    </p:tnLst>
-  </p:timing>
 </p:sld>
 </file>
 
@@ -17092,11 +16933,11 @@
           <a:p>
             <a:pPr eaLnBrk="1" hangingPunct="1"/>
             <a:r>
-              <a:rPr lang="en-US" altLang="zh-CN" smtClean="0"/>
+              <a:rPr lang="en-US" altLang="zh-CN"/>
               <a:t>2.2.4 </a:t>
             </a:r>
             <a:r>
-              <a:rPr lang="zh-CN" altLang="en-US" smtClean="0"/>
+              <a:rPr lang="zh-CN" altLang="en-US"/>
               <a:t>按测试实施组织分类</a:t>
             </a:r>
           </a:p>
@@ -17128,11 +16969,11 @@
               </a:lnSpc>
             </a:pPr>
             <a:r>
-              <a:rPr lang="en-US" altLang="zh-CN" smtClean="0"/>
+              <a:rPr lang="en-US" altLang="zh-CN"/>
               <a:t>1</a:t>
             </a:r>
             <a:r>
-              <a:rPr lang="zh-CN" altLang="en-US" smtClean="0"/>
+              <a:rPr lang="zh-CN" altLang="en-US"/>
               <a:t>、开发方测试 </a:t>
             </a:r>
           </a:p>
@@ -17143,7 +16984,7 @@
               </a:lnSpc>
             </a:pPr>
             <a:r>
-              <a:rPr lang="zh-CN" altLang="en-US" smtClean="0"/>
+              <a:rPr lang="zh-CN" altLang="en-US"/>
               <a:t>		开发方测试也称内部测试，主要指在软件开发完成后，开发方要对提交的软件进行全面的自我检查与验证，验证软件的实现是否满足软件需求说明的要求。</a:t>
             </a:r>
           </a:p>
@@ -17290,11 +17131,11 @@
           <a:p>
             <a:pPr eaLnBrk="1" hangingPunct="1"/>
             <a:r>
-              <a:rPr lang="en-US" altLang="zh-CN" smtClean="0"/>
+              <a:rPr lang="en-US" altLang="zh-CN"/>
               <a:t>2.2.4 </a:t>
             </a:r>
             <a:r>
-              <a:rPr lang="zh-CN" altLang="en-US" smtClean="0"/>
+              <a:rPr lang="zh-CN" altLang="en-US"/>
               <a:t>按测试实施组织分类</a:t>
             </a:r>
           </a:p>
@@ -17326,11 +17167,11 @@
               </a:lnSpc>
             </a:pPr>
             <a:r>
-              <a:rPr lang="en-US" altLang="zh-CN" dirty="0" smtClean="0"/>
+              <a:rPr lang="en-US" altLang="zh-CN" dirty="0"/>
               <a:t>2</a:t>
             </a:r>
             <a:r>
-              <a:rPr lang="zh-CN" altLang="en-US" dirty="0" smtClean="0"/>
+              <a:rPr lang="zh-CN" altLang="en-US" dirty="0"/>
               <a:t>、用户方测试 </a:t>
             </a:r>
           </a:p>
@@ -17343,10 +17184,10 @@
               <a:buAutoNum type="circleNumDbPlain"/>
             </a:pPr>
             <a:r>
-              <a:rPr lang="zh-CN" altLang="en-US" dirty="0" smtClean="0"/>
+              <a:rPr lang="zh-CN" altLang="en-US" dirty="0"/>
               <a:t>用户方测试是在用户的应用环境下，由用户通过运行和使用软件，验证软件实现是否符合自己期望的要求。</a:t>
             </a:r>
-            <a:endParaRPr lang="en-US" altLang="zh-CN" dirty="0" smtClean="0"/>
+            <a:endParaRPr lang="en-US" altLang="zh-CN" dirty="0"/>
           </a:p>
           <a:p>
             <a:pPr marL="457200" indent="-457200" eaLnBrk="1" hangingPunct="1">
@@ -17357,23 +17198,23 @@
               <a:buAutoNum type="circleNumDbPlain"/>
             </a:pPr>
             <a:r>
-              <a:rPr lang="zh-CN" altLang="en-US" dirty="0" smtClean="0"/>
+              <a:rPr lang="zh-CN" altLang="en-US" dirty="0"/>
               <a:t>包含：</a:t>
             </a:r>
             <a:r>
-              <a:rPr lang="en-US" altLang="zh-CN" dirty="0" smtClean="0"/>
+              <a:rPr lang="en-US" altLang="zh-CN" dirty="0"/>
               <a:t>Alpha</a:t>
             </a:r>
             <a:r>
-              <a:rPr lang="zh-CN" altLang="en-US" dirty="0" smtClean="0"/>
+              <a:rPr lang="zh-CN" altLang="en-US" dirty="0"/>
               <a:t>测试（内测），</a:t>
             </a:r>
             <a:r>
-              <a:rPr lang="en-US" altLang="zh-CN" dirty="0" smtClean="0"/>
+              <a:rPr lang="en-US" altLang="zh-CN" dirty="0"/>
               <a:t>beta</a:t>
             </a:r>
             <a:r>
-              <a:rPr lang="zh-CN" altLang="en-US" dirty="0" smtClean="0"/>
+              <a:rPr lang="zh-CN" altLang="en-US" dirty="0"/>
               <a:t>测试（公测）</a:t>
             </a:r>
           </a:p>
@@ -17581,11 +17422,11 @@
           <a:p>
             <a:pPr eaLnBrk="1" hangingPunct="1"/>
             <a:r>
-              <a:rPr lang="en-US" altLang="zh-CN" smtClean="0"/>
+              <a:rPr lang="en-US" altLang="zh-CN"/>
               <a:t>2.2.4 </a:t>
             </a:r>
             <a:r>
-              <a:rPr lang="zh-CN" altLang="en-US" smtClean="0"/>
+              <a:rPr lang="zh-CN" altLang="en-US"/>
               <a:t>按测试实施组织分类</a:t>
             </a:r>
           </a:p>
@@ -17617,11 +17458,11 @@
               </a:lnSpc>
             </a:pPr>
             <a:r>
-              <a:rPr lang="en-US" altLang="zh-CN" dirty="0" smtClean="0"/>
+              <a:rPr lang="en-US" altLang="zh-CN" dirty="0"/>
               <a:t>3</a:t>
             </a:r>
             <a:r>
-              <a:rPr lang="zh-CN" altLang="en-US" dirty="0" smtClean="0"/>
+              <a:rPr lang="zh-CN" altLang="en-US" dirty="0"/>
               <a:t>、第三方测试 </a:t>
             </a:r>
           </a:p>
@@ -17632,7 +17473,7 @@
               </a:lnSpc>
             </a:pPr>
             <a:r>
-              <a:rPr lang="zh-CN" altLang="en-US" dirty="0" smtClean="0"/>
+              <a:rPr lang="zh-CN" altLang="en-US" dirty="0"/>
               <a:t>		又称为独立测试，由技术、管理和财务上和开发方和用户方相对独立的组织进行的测试。</a:t>
             </a:r>
           </a:p>
@@ -17774,7 +17615,7 @@
           <a:p>
             <a:pPr eaLnBrk="1" hangingPunct="1"/>
             <a:r>
-              <a:rPr lang="zh-CN" altLang="en-US" smtClean="0"/>
+              <a:rPr lang="zh-CN" altLang="en-US"/>
               <a:t>补充内容：按测试目的分类</a:t>
             </a:r>
           </a:p>
@@ -18051,30 +17892,14 @@
               <a:buChar char="v"/>
             </a:pPr>
             <a:r>
-              <a:rPr lang="zh-CN" altLang="en-US" sz="2400" b="1" dirty="0" smtClean="0">
+              <a:rPr lang="zh-CN" altLang="en-US" sz="2400" b="1" dirty="0">
                 <a:solidFill>
                   <a:schemeClr val="bg1"/>
                 </a:solidFill>
               </a:rPr>
-              <a:t>用户</a:t>
-            </a:r>
-            <a:r>
-              <a:rPr lang="zh-CN" altLang="en-US" sz="2400" b="1" dirty="0">
-                <a:solidFill>
-                  <a:schemeClr val="bg1"/>
-                </a:solidFill>
-              </a:rPr>
-              <a:t>界面</a:t>
-            </a:r>
-            <a:r>
-              <a:rPr lang="zh-CN" altLang="en-US" sz="2400" b="1" dirty="0" smtClean="0">
-                <a:solidFill>
-                  <a:schemeClr val="bg1"/>
-                </a:solidFill>
-              </a:rPr>
-              <a:t>测试</a:t>
-            </a:r>
-            <a:endParaRPr lang="en-US" altLang="zh-CN" sz="2400" b="1" dirty="0" smtClean="0">
+              <a:t>用户界面测试</a:t>
+            </a:r>
+            <a:endParaRPr lang="en-US" altLang="zh-CN" sz="2400" b="1" dirty="0">
               <a:solidFill>
                 <a:schemeClr val="bg1"/>
               </a:solidFill>
@@ -18096,7 +17921,7 @@
               <a:buChar char="v"/>
             </a:pPr>
             <a:r>
-              <a:rPr lang="zh-CN" altLang="en-US" sz="2400" b="1" dirty="0" smtClean="0">
+              <a:rPr lang="zh-CN" altLang="en-US" sz="2400" b="1" dirty="0">
                 <a:solidFill>
                   <a:schemeClr val="bg1"/>
                 </a:solidFill>
@@ -18120,7 +17945,7 @@
               <a:buChar char="v"/>
             </a:pPr>
             <a:r>
-              <a:rPr lang="zh-CN" altLang="en-US" sz="2400" b="1" dirty="0" smtClean="0">
+              <a:rPr lang="zh-CN" altLang="en-US" sz="2400" b="1" dirty="0">
                 <a:solidFill>
                   <a:schemeClr val="bg1"/>
                 </a:solidFill>
@@ -18305,7 +18130,7 @@
               <a:buChar char="v"/>
             </a:pPr>
             <a:r>
-              <a:rPr lang="zh-CN" altLang="en-US" sz="2400" b="1" dirty="0" smtClean="0">
+              <a:rPr lang="zh-CN" altLang="en-US" sz="2400" b="1" dirty="0">
                 <a:solidFill>
                   <a:schemeClr val="bg1"/>
                 </a:solidFill>
@@ -18574,13 +18399,6 @@
   <p:transition>
     <p:zoom/>
   </p:transition>
-  <p:timing>
-    <p:tnLst>
-      <p:par>
-        <p:cTn id="1" dur="indefinite" restart="never" nodeType="tmRoot"/>
-      </p:par>
-    </p:tnLst>
-  </p:timing>
 </p:sld>
 </file>
 
@@ -19110,7 +18928,7 @@
           <a:p>
             <a:pPr eaLnBrk="1" hangingPunct="1"/>
             <a:r>
-              <a:rPr lang="zh-CN" altLang="en-US" smtClean="0"/>
+              <a:rPr lang="zh-CN" altLang="en-US"/>
               <a:t>软件测试的三维空间</a:t>
             </a:r>
           </a:p>
@@ -24002,10 +23820,9 @@
           <a:p>
             <a:pPr algn="l" eaLnBrk="1" hangingPunct="1"/>
             <a:r>
-              <a:rPr lang="zh-CN" altLang="en-US" dirty="0" smtClean="0"/>
+              <a:rPr lang="zh-CN" altLang="en-US" dirty="0"/>
               <a:t>某公司测试流程</a:t>
             </a:r>
-            <a:endParaRPr lang="zh-CN" altLang="en-US" dirty="0" smtClean="0"/>
           </a:p>
         </p:txBody>
       </p:sp>
@@ -24185,13 +24002,6 @@
   <p:transition>
     <p:zoom/>
   </p:transition>
-  <p:timing>
-    <p:tnLst>
-      <p:par>
-        <p:cTn id="1" dur="indefinite" restart="never" nodeType="tmRoot"/>
-      </p:par>
-    </p:tnLst>
-  </p:timing>
 </p:sld>
 </file>
 
@@ -24229,11 +24039,11 @@
           <a:p>
             <a:pPr eaLnBrk="1" hangingPunct="1"/>
             <a:r>
-              <a:rPr lang="en-US" altLang="zh-CN" smtClean="0"/>
+              <a:rPr lang="en-US" altLang="zh-CN"/>
               <a:t>2.3 </a:t>
             </a:r>
             <a:r>
-              <a:rPr lang="zh-CN" altLang="en-US" smtClean="0"/>
+              <a:rPr lang="zh-CN" altLang="en-US"/>
               <a:t>软件测试的最佳实践 （经验）</a:t>
             </a:r>
           </a:p>
@@ -24265,19 +24075,19 @@
               </a:lnSpc>
             </a:pPr>
             <a:r>
-              <a:rPr lang="en-US" altLang="zh-CN" dirty="0" smtClean="0"/>
+              <a:rPr lang="en-US" altLang="zh-CN" dirty="0"/>
               <a:t>	</a:t>
             </a:r>
             <a:r>
-              <a:rPr lang="zh-CN" altLang="en-US" dirty="0" smtClean="0"/>
+              <a:rPr lang="zh-CN" altLang="en-US" dirty="0"/>
               <a:t>经验</a:t>
             </a:r>
             <a:r>
-              <a:rPr lang="en-US" altLang="zh-CN" dirty="0" smtClean="0"/>
+              <a:rPr lang="en-US" altLang="zh-CN" dirty="0"/>
               <a:t>1</a:t>
             </a:r>
             <a:r>
-              <a:rPr lang="zh-CN" altLang="en-US" dirty="0" smtClean="0"/>
+              <a:rPr lang="zh-CN" altLang="en-US" dirty="0"/>
               <a:t>、尽量由独立的测试人员进行测试 </a:t>
             </a:r>
           </a:p>
@@ -24288,7 +24098,7 @@
               </a:lnSpc>
             </a:pPr>
             <a:r>
-              <a:rPr lang="zh-CN" altLang="en-US" dirty="0" smtClean="0"/>
+              <a:rPr lang="zh-CN" altLang="en-US" dirty="0"/>
               <a:t>		开发者总是喜欢欣赏程序的成功之处，而不愿看到失败之处，让开发者去做“蓄意破坏”的测试，就像杀了自己的孩子一样难以接受，即便开发者非常诚实，但“珍爱程序”的心理让他在测试时不知不觉地带入虚假成分。</a:t>
             </a:r>
           </a:p>
@@ -24491,11 +24301,11 @@
           <a:p>
             <a:pPr eaLnBrk="1" hangingPunct="1"/>
             <a:r>
-              <a:rPr lang="en-US" altLang="zh-CN" smtClean="0"/>
+              <a:rPr lang="en-US" altLang="zh-CN"/>
               <a:t>2.3 </a:t>
             </a:r>
             <a:r>
-              <a:rPr lang="zh-CN" altLang="en-US" smtClean="0"/>
+              <a:rPr lang="zh-CN" altLang="en-US"/>
               <a:t>软件测试的最佳实践 （经验）</a:t>
             </a:r>
           </a:p>
@@ -24522,19 +24332,19 @@
               </a:lnSpc>
             </a:pPr>
             <a:r>
-              <a:rPr lang="en-US" altLang="zh-CN" dirty="0" smtClean="0"/>
+              <a:rPr lang="en-US" altLang="zh-CN" dirty="0"/>
               <a:t>	</a:t>
             </a:r>
             <a:r>
-              <a:rPr lang="zh-CN" altLang="en-US" dirty="0" smtClean="0"/>
+              <a:rPr lang="zh-CN" altLang="en-US" dirty="0"/>
               <a:t>经验</a:t>
             </a:r>
             <a:r>
-              <a:rPr lang="en-US" altLang="zh-CN" dirty="0" smtClean="0"/>
+              <a:rPr lang="en-US" altLang="zh-CN" dirty="0"/>
               <a:t>2  </a:t>
             </a:r>
             <a:r>
-              <a:rPr lang="zh-CN" altLang="en-US" dirty="0" smtClean="0"/>
+              <a:rPr lang="zh-CN" altLang="en-US" dirty="0"/>
               <a:t>关键是注重测试用例的设计 </a:t>
             </a:r>
           </a:p>
@@ -24545,7 +24355,7 @@
               </a:lnSpc>
             </a:pPr>
             <a:r>
-              <a:rPr lang="zh-CN" altLang="en-US" dirty="0" smtClean="0"/>
+              <a:rPr lang="zh-CN" altLang="en-US" dirty="0"/>
               <a:t>		测试工作的核心应该是测试用例的设计工作，而不是测试用例的执行，正如软件开发过程一样，软件开发的关键是软件系统的设计，而不是编码。</a:t>
             </a:r>
           </a:p>
@@ -24687,11 +24497,11 @@
           <a:p>
             <a:pPr eaLnBrk="1" hangingPunct="1"/>
             <a:r>
-              <a:rPr lang="en-US" altLang="zh-CN" smtClean="0"/>
+              <a:rPr lang="en-US" altLang="zh-CN"/>
               <a:t>2.3 </a:t>
             </a:r>
             <a:r>
-              <a:rPr lang="zh-CN" altLang="en-US" smtClean="0"/>
+              <a:rPr lang="zh-CN" altLang="en-US"/>
               <a:t>软件测试的最佳实践 （经验）</a:t>
             </a:r>
           </a:p>
@@ -24718,19 +24528,19 @@
               </a:lnSpc>
             </a:pPr>
             <a:r>
-              <a:rPr lang="en-US" altLang="zh-CN" dirty="0" smtClean="0"/>
+              <a:rPr lang="en-US" altLang="zh-CN" dirty="0"/>
               <a:t>	</a:t>
             </a:r>
             <a:r>
-              <a:rPr lang="zh-CN" altLang="en-US" dirty="0" smtClean="0"/>
+              <a:rPr lang="zh-CN" altLang="en-US" dirty="0"/>
               <a:t>经验</a:t>
             </a:r>
             <a:r>
-              <a:rPr lang="en-US" altLang="zh-CN" dirty="0" smtClean="0"/>
+              <a:rPr lang="en-US" altLang="zh-CN" dirty="0"/>
               <a:t>3  </a:t>
             </a:r>
             <a:r>
-              <a:rPr lang="zh-CN" altLang="en-US" dirty="0" smtClean="0"/>
+              <a:rPr lang="zh-CN" altLang="en-US" dirty="0"/>
               <a:t>测试中的集群现象应当被充分的重视 </a:t>
             </a:r>
           </a:p>
@@ -24741,7 +24551,7 @@
               </a:lnSpc>
             </a:pPr>
             <a:r>
-              <a:rPr lang="zh-CN" altLang="en-US" dirty="0" smtClean="0"/>
+              <a:rPr lang="zh-CN" altLang="en-US" dirty="0"/>
               <a:t>		经验表明，一段程序中若发现错误的数量越多，则此段程序中残存的错误数量越多。</a:t>
             </a:r>
           </a:p>
@@ -24883,11 +24693,11 @@
           <a:p>
             <a:pPr eaLnBrk="1" hangingPunct="1"/>
             <a:r>
-              <a:rPr lang="en-US" altLang="zh-CN" smtClean="0"/>
+              <a:rPr lang="en-US" altLang="zh-CN"/>
               <a:t>2.3 </a:t>
             </a:r>
             <a:r>
-              <a:rPr lang="zh-CN" altLang="en-US" smtClean="0"/>
+              <a:rPr lang="zh-CN" altLang="en-US"/>
               <a:t>软件测试的最佳实践 （经验）</a:t>
             </a:r>
           </a:p>
@@ -24919,15 +24729,15 @@
               </a:lnSpc>
             </a:pPr>
             <a:r>
-              <a:rPr lang="zh-CN" altLang="en-US" dirty="0" smtClean="0"/>
+              <a:rPr lang="zh-CN" altLang="en-US" dirty="0"/>
               <a:t>经验</a:t>
             </a:r>
             <a:r>
-              <a:rPr lang="en-US" altLang="zh-CN" dirty="0" smtClean="0"/>
+              <a:rPr lang="en-US" altLang="zh-CN" dirty="0"/>
               <a:t>4</a:t>
             </a:r>
             <a:r>
-              <a:rPr lang="zh-CN" altLang="en-US" dirty="0" smtClean="0"/>
+              <a:rPr lang="zh-CN" altLang="en-US" dirty="0"/>
               <a:t>、完全的测试是不可能的</a:t>
             </a:r>
           </a:p>
@@ -24938,7 +24748,7 @@
               </a:lnSpc>
             </a:pPr>
             <a:r>
-              <a:rPr lang="zh-CN" altLang="en-US" dirty="0" smtClean="0"/>
+              <a:rPr lang="zh-CN" altLang="en-US" dirty="0"/>
               <a:t>	 原因：软件太复杂，资源不允许等等。</a:t>
             </a:r>
           </a:p>
@@ -24949,7 +24759,7 @@
               </a:lnSpc>
             </a:pPr>
             <a:r>
-              <a:rPr lang="zh-CN" altLang="en-US" dirty="0" smtClean="0"/>
+              <a:rPr lang="zh-CN" altLang="en-US" dirty="0"/>
               <a:t>	 措施：根据实际情况来决定资源的分配，对测试程度和范围进行有效的控制，提高测试产出比</a:t>
             </a:r>
           </a:p>
@@ -25152,11 +24962,11 @@
           <a:p>
             <a:pPr eaLnBrk="1" hangingPunct="1"/>
             <a:r>
-              <a:rPr lang="en-US" altLang="zh-CN" smtClean="0"/>
+              <a:rPr lang="en-US" altLang="zh-CN"/>
               <a:t>2.1 </a:t>
             </a:r>
             <a:r>
-              <a:rPr lang="zh-CN" altLang="en-US" smtClean="0"/>
+              <a:rPr lang="zh-CN" altLang="en-US"/>
               <a:t>软件测试的概念</a:t>
             </a:r>
           </a:p>
@@ -25188,7 +24998,7 @@
               </a:lnSpc>
             </a:pPr>
             <a:r>
-              <a:rPr lang="zh-CN" altLang="en-US" smtClean="0"/>
+              <a:rPr lang="zh-CN" altLang="en-US"/>
               <a:t>本小节包含两个方面的内容：</a:t>
             </a:r>
           </a:p>
@@ -25199,11 +25009,11 @@
               </a:lnSpc>
             </a:pPr>
             <a:r>
-              <a:rPr lang="en-US" altLang="zh-CN" smtClean="0"/>
+              <a:rPr lang="en-US" altLang="zh-CN"/>
               <a:t>2.1.1 </a:t>
             </a:r>
             <a:r>
-              <a:rPr lang="zh-CN" altLang="en-US" smtClean="0"/>
+              <a:rPr lang="zh-CN" altLang="en-US"/>
               <a:t>软件测试的定义 </a:t>
             </a:r>
           </a:p>
@@ -25214,11 +25024,11 @@
               </a:lnSpc>
             </a:pPr>
             <a:r>
-              <a:rPr lang="en-US" altLang="zh-CN" smtClean="0"/>
+              <a:rPr lang="en-US" altLang="zh-CN"/>
               <a:t>2.1.2 </a:t>
             </a:r>
             <a:r>
-              <a:rPr lang="zh-CN" altLang="en-US" smtClean="0"/>
+              <a:rPr lang="zh-CN" altLang="en-US"/>
               <a:t>软件测试的目的 </a:t>
             </a:r>
           </a:p>
@@ -25403,11 +25213,11 @@
           <a:p>
             <a:pPr eaLnBrk="1" hangingPunct="1"/>
             <a:r>
-              <a:rPr lang="en-US" altLang="zh-CN" smtClean="0"/>
+              <a:rPr lang="en-US" altLang="zh-CN"/>
               <a:t>2.3 </a:t>
             </a:r>
             <a:r>
-              <a:rPr lang="zh-CN" altLang="en-US" smtClean="0"/>
+              <a:rPr lang="zh-CN" altLang="en-US"/>
               <a:t>软件测试的最佳实践 （经验）</a:t>
             </a:r>
           </a:p>
@@ -25434,15 +25244,15 @@
               </a:lnSpc>
             </a:pPr>
             <a:r>
-              <a:rPr lang="zh-CN" altLang="en-US" smtClean="0"/>
+              <a:rPr lang="zh-CN" altLang="en-US"/>
               <a:t>经验</a:t>
             </a:r>
             <a:r>
-              <a:rPr lang="en-US" altLang="zh-CN" smtClean="0"/>
+              <a:rPr lang="en-US" altLang="zh-CN"/>
               <a:t>5</a:t>
             </a:r>
             <a:r>
-              <a:rPr lang="zh-CN" altLang="en-US" smtClean="0"/>
+              <a:rPr lang="zh-CN" altLang="en-US"/>
               <a:t>、修复缺陷后，一定要进行回归测试。</a:t>
             </a:r>
           </a:p>
@@ -25453,7 +25263,7 @@
               </a:lnSpc>
             </a:pPr>
             <a:r>
-              <a:rPr lang="zh-CN" altLang="en-US" smtClean="0"/>
+              <a:rPr lang="zh-CN" altLang="en-US"/>
               <a:t>		缺陷关联是一种常见现象，某个缺陷会因为其他缺陷而出现或消失。</a:t>
             </a:r>
           </a:p>
@@ -25595,11 +25405,11 @@
           <a:p>
             <a:pPr eaLnBrk="1" hangingPunct="1"/>
             <a:r>
-              <a:rPr lang="en-US" altLang="zh-CN" smtClean="0"/>
+              <a:rPr lang="en-US" altLang="zh-CN"/>
               <a:t>2.3 </a:t>
             </a:r>
             <a:r>
-              <a:rPr lang="zh-CN" altLang="en-US" smtClean="0"/>
+              <a:rPr lang="zh-CN" altLang="en-US"/>
               <a:t>软件测试的最佳实践 （经验）</a:t>
             </a:r>
           </a:p>
@@ -25627,7 +25437,7 @@
           <a:p>
             <a:pPr marL="457200" indent="-457200" eaLnBrk="1" hangingPunct="1"/>
             <a:r>
-              <a:rPr lang="zh-CN" altLang="en-US" dirty="0" smtClean="0"/>
+              <a:rPr lang="zh-CN" altLang="en-US" dirty="0"/>
               <a:t>其他经验：</a:t>
             </a:r>
           </a:p>
@@ -25640,7 +25450,7 @@
               <a:buChar char="v"/>
             </a:pPr>
             <a:r>
-              <a:rPr lang="zh-CN" altLang="en-US" dirty="0" smtClean="0"/>
+              <a:rPr lang="zh-CN" altLang="en-US" dirty="0"/>
               <a:t>测试人员要始终站在用户的角度去看问题。</a:t>
             </a:r>
           </a:p>
@@ -25653,10 +25463,10 @@
               <a:buChar char="v"/>
             </a:pPr>
             <a:r>
-              <a:rPr lang="zh-CN" altLang="en-US" dirty="0" smtClean="0"/>
+              <a:rPr lang="zh-CN" altLang="en-US" dirty="0"/>
               <a:t>软件测试必须基于“质量第一”的思想去开展各项工作。</a:t>
             </a:r>
-            <a:endParaRPr lang="en-US" altLang="zh-CN" dirty="0" smtClean="0"/>
+            <a:endParaRPr lang="en-US" altLang="zh-CN" dirty="0"/>
           </a:p>
           <a:p>
             <a:pPr marL="457200" indent="-457200" eaLnBrk="1" hangingPunct="1">
@@ -25679,7 +25489,7 @@
               <a:buFont typeface="Wingdings" panose="05000000000000000000" pitchFamily="2" charset="2"/>
               <a:buChar char="v"/>
             </a:pPr>
-            <a:endParaRPr lang="zh-CN" altLang="en-US" dirty="0" smtClean="0"/>
+            <a:endParaRPr lang="zh-CN" altLang="en-US" dirty="0"/>
           </a:p>
         </p:txBody>
       </p:sp>
@@ -25941,7 +25751,7 @@
           <a:p>
             <a:pPr eaLnBrk="1" hangingPunct="1"/>
             <a:r>
-              <a:rPr lang="zh-CN" altLang="en-US" smtClean="0"/>
+              <a:rPr lang="zh-CN" altLang="en-US"/>
               <a:t>小结</a:t>
             </a:r>
           </a:p>
@@ -25970,7 +25780,7 @@
               <a:buChar char="v"/>
             </a:pPr>
             <a:r>
-              <a:rPr lang="zh-CN" altLang="en-US" smtClean="0"/>
+              <a:rPr lang="zh-CN" altLang="en-US"/>
               <a:t>软件测试是为了发现缺陷与错误，而且也是对软件质量进行度量和评估，以提高软件的质量。</a:t>
             </a:r>
           </a:p>
@@ -25983,7 +25793,7 @@
               <a:buChar char="v"/>
             </a:pPr>
             <a:r>
-              <a:rPr lang="zh-CN" altLang="en-US" smtClean="0"/>
+              <a:rPr lang="zh-CN" altLang="en-US"/>
               <a:t>证明、检测和预防已经成为测试的重要目标。</a:t>
             </a:r>
           </a:p>
@@ -25996,7 +25806,7 @@
               <a:buChar char="v"/>
             </a:pPr>
             <a:r>
-              <a:rPr lang="zh-CN" altLang="en-US" smtClean="0"/>
+              <a:rPr lang="zh-CN" altLang="en-US"/>
               <a:t>测试的分类。</a:t>
             </a:r>
           </a:p>
@@ -26009,7 +25819,7 @@
               <a:buChar char="v"/>
             </a:pPr>
             <a:r>
-              <a:rPr lang="zh-CN" altLang="en-US" smtClean="0"/>
+              <a:rPr lang="zh-CN" altLang="en-US"/>
               <a:t>软件测试的最佳实践 。 </a:t>
             </a:r>
           </a:p>
@@ -26023,13 +25833,6 @@
   <p:transition>
     <p:zoom/>
   </p:transition>
-  <p:timing>
-    <p:tnLst>
-      <p:par>
-        <p:cTn id="1" dur="indefinite" restart="never" nodeType="tmRoot"/>
-      </p:par>
-    </p:tnLst>
-  </p:timing>
 </p:sld>
 </file>
 
@@ -26072,11 +25875,11 @@
           <a:p>
             <a:pPr eaLnBrk="1" hangingPunct="1"/>
             <a:r>
-              <a:rPr lang="en-US" altLang="zh-CN" smtClean="0"/>
+              <a:rPr lang="en-US" altLang="zh-CN"/>
               <a:t>2.1.1 </a:t>
             </a:r>
             <a:r>
-              <a:rPr lang="zh-CN" altLang="en-US" smtClean="0"/>
+              <a:rPr lang="zh-CN" altLang="en-US"/>
               <a:t>软件测试的定义</a:t>
             </a:r>
           </a:p>
@@ -26108,35 +25911,35 @@
               </a:lnSpc>
             </a:pPr>
             <a:r>
-              <a:rPr lang="en-US" altLang="zh-CN" dirty="0" smtClean="0"/>
+              <a:rPr lang="en-US" altLang="zh-CN" dirty="0"/>
               <a:t>		</a:t>
             </a:r>
             <a:r>
-              <a:rPr lang="zh-CN" altLang="en-US" dirty="0" smtClean="0"/>
+              <a:rPr lang="zh-CN" altLang="en-US" dirty="0"/>
               <a:t>软件测试的研究至今已有</a:t>
             </a:r>
             <a:r>
-              <a:rPr lang="en-US" altLang="zh-CN" dirty="0" smtClean="0"/>
+              <a:rPr lang="en-US" altLang="zh-CN" dirty="0"/>
               <a:t>50</a:t>
             </a:r>
             <a:r>
-              <a:rPr lang="zh-CN" altLang="en-US" dirty="0" smtClean="0"/>
+              <a:rPr lang="zh-CN" altLang="en-US" dirty="0"/>
               <a:t>多年的历史，但是对于什么是软件测试，至今没有统一的定义，其中比较权威的是</a:t>
             </a:r>
             <a:r>
-              <a:rPr lang="en-US" altLang="zh-CN" dirty="0" smtClean="0"/>
+              <a:rPr lang="en-US" altLang="zh-CN" dirty="0"/>
               <a:t>IEEE</a:t>
             </a:r>
             <a:r>
-              <a:rPr lang="zh-CN" altLang="en-US" dirty="0" smtClean="0"/>
+              <a:rPr lang="zh-CN" altLang="en-US" dirty="0"/>
               <a:t>于</a:t>
             </a:r>
             <a:r>
-              <a:rPr lang="en-US" altLang="zh-CN" dirty="0" smtClean="0"/>
+              <a:rPr lang="en-US" altLang="zh-CN" dirty="0"/>
               <a:t>1983</a:t>
             </a:r>
             <a:r>
-              <a:rPr lang="zh-CN" altLang="en-US" dirty="0" smtClean="0"/>
+              <a:rPr lang="zh-CN" altLang="en-US" dirty="0"/>
               <a:t>年给出的定义：</a:t>
             </a:r>
           </a:p>
@@ -26147,11 +25950,11 @@
               </a:lnSpc>
             </a:pPr>
             <a:r>
-              <a:rPr lang="zh-CN" altLang="en-US" dirty="0" smtClean="0"/>
+              <a:rPr lang="zh-CN" altLang="en-US" dirty="0"/>
               <a:t>		</a:t>
             </a:r>
             <a:r>
-              <a:rPr lang="zh-CN" altLang="en-US" dirty="0" smtClean="0">
+              <a:rPr lang="zh-CN" altLang="en-US" dirty="0">
                 <a:solidFill>
                   <a:srgbClr val="FFFF00"/>
                 </a:solidFill>
@@ -26161,11 +25964,11 @@
               <a:t>软件测试</a:t>
             </a:r>
             <a:r>
-              <a:rPr lang="zh-CN" altLang="en-US" dirty="0" smtClean="0"/>
+              <a:rPr lang="zh-CN" altLang="en-US" dirty="0"/>
               <a:t>是使用人工和自动手段来运行或测试某个系统的过程，其目的在于检验它</a:t>
             </a:r>
             <a:r>
-              <a:rPr lang="zh-CN" altLang="en-US" dirty="0" smtClean="0">
+              <a:rPr lang="zh-CN" altLang="en-US" dirty="0">
                 <a:solidFill>
                   <a:srgbClr val="FFFF00"/>
                 </a:solidFill>
@@ -26173,11 +25976,11 @@
               <a:t>是否满足规定的需求</a:t>
             </a:r>
             <a:r>
-              <a:rPr lang="zh-CN" altLang="en-US" dirty="0" smtClean="0"/>
+              <a:rPr lang="zh-CN" altLang="en-US" dirty="0"/>
               <a:t>或弄清楚预期结果与实际结果之间的差别。</a:t>
             </a:r>
             <a:r>
-              <a:rPr lang="en-US" altLang="zh-CN" dirty="0" smtClean="0"/>
+              <a:rPr lang="en-US" altLang="zh-CN" dirty="0"/>
               <a:t>——IEEE</a:t>
             </a:r>
           </a:p>
@@ -26422,11 +26225,11 @@
           <a:p>
             <a:pPr eaLnBrk="1" hangingPunct="1"/>
             <a:r>
-              <a:rPr lang="en-US" altLang="zh-CN" smtClean="0"/>
+              <a:rPr lang="en-US" altLang="zh-CN"/>
               <a:t>2.1.1 </a:t>
             </a:r>
             <a:r>
-              <a:rPr lang="zh-CN" altLang="en-US" smtClean="0"/>
+              <a:rPr lang="zh-CN" altLang="en-US"/>
               <a:t>软件测试的定义</a:t>
             </a:r>
           </a:p>
@@ -26457,11 +26260,11 @@
               <a:buChar char="Ø"/>
             </a:pPr>
             <a:r>
-              <a:rPr lang="zh-CN" altLang="en-US" dirty="0" smtClean="0"/>
+              <a:rPr lang="zh-CN" altLang="en-US" dirty="0"/>
               <a:t>软件组成：</a:t>
             </a:r>
             <a:r>
-              <a:rPr lang="en-US" altLang="zh-CN" dirty="0" smtClean="0"/>
+              <a:rPr lang="en-US" altLang="zh-CN" dirty="0"/>
               <a:t> </a:t>
             </a:r>
             <a:r>
@@ -26473,7 +26276,7 @@
               <a:t>+ </a:t>
             </a:r>
             <a:r>
-              <a:rPr lang="zh-CN" altLang="en-US" dirty="0" smtClean="0"/>
+              <a:rPr lang="zh-CN" altLang="en-US" dirty="0"/>
               <a:t>数据 </a:t>
             </a:r>
             <a:r>
@@ -26484,14 +26287,14 @@
               <a:rPr lang="zh-CN" altLang="en-US" dirty="0"/>
               <a:t>文档 </a:t>
             </a:r>
-            <a:endParaRPr lang="en-US" altLang="zh-CN" dirty="0" smtClean="0"/>
+            <a:endParaRPr lang="en-US" altLang="zh-CN" dirty="0"/>
           </a:p>
           <a:p>
             <a:pPr algn="just">
               <a:buFont typeface="Wingdings" panose="05000000000000000000" pitchFamily="2" charset="2"/>
               <a:buChar char="Ø"/>
             </a:pPr>
-            <a:endParaRPr lang="en-US" altLang="zh-CN" dirty="0" smtClean="0"/>
+            <a:endParaRPr lang="en-US" altLang="zh-CN" dirty="0"/>
           </a:p>
           <a:p>
             <a:pPr algn="just">
@@ -26499,10 +26302,9 @@
               <a:buChar char="Ø"/>
             </a:pPr>
             <a:r>
-              <a:rPr lang="zh-CN" altLang="en-US" dirty="0" smtClean="0"/>
+              <a:rPr lang="zh-CN" altLang="en-US" dirty="0"/>
               <a:t>软件测试的组成</a:t>
             </a:r>
-            <a:endParaRPr lang="zh-CN" altLang="en-US" dirty="0"/>
           </a:p>
           <a:p>
             <a:endParaRPr lang="zh-CN" altLang="en-US" dirty="0"/>
@@ -26517,13 +26319,6 @@
   <p:transition>
     <p:zoom/>
   </p:transition>
-  <p:timing>
-    <p:tnLst>
-      <p:par>
-        <p:cTn id="1" dur="indefinite" restart="never" nodeType="tmRoot"/>
-      </p:par>
-    </p:tnLst>
-  </p:timing>
 </p:sld>
 </file>
 
@@ -26566,11 +26361,11 @@
           <a:p>
             <a:pPr eaLnBrk="1" hangingPunct="1"/>
             <a:r>
-              <a:rPr lang="en-US" altLang="zh-CN" smtClean="0"/>
+              <a:rPr lang="en-US" altLang="zh-CN"/>
               <a:t>2.1.2 </a:t>
             </a:r>
             <a:r>
-              <a:rPr lang="zh-CN" altLang="en-US" smtClean="0"/>
+              <a:rPr lang="zh-CN" altLang="en-US"/>
               <a:t>软件测试的目的</a:t>
             </a:r>
           </a:p>
@@ -26603,7 +26398,7 @@
               </a:lnSpc>
             </a:pPr>
             <a:r>
-              <a:rPr lang="en-US" altLang="zh-CN" smtClean="0">
+              <a:rPr lang="en-US" altLang="zh-CN">
                 <a:solidFill>
                   <a:srgbClr val="FFFF00"/>
                 </a:solidFill>
@@ -26613,7 +26408,7 @@
               <a:t>        </a:t>
             </a:r>
             <a:r>
-              <a:rPr lang="zh-CN" altLang="en-US" sz="2800" smtClean="0">
+              <a:rPr lang="zh-CN" altLang="en-US" sz="2800">
                 <a:solidFill>
                   <a:srgbClr val="FFFF00"/>
                 </a:solidFill>
@@ -26623,11 +26418,11 @@
               <a:t>软件测试的目的</a:t>
             </a:r>
             <a:r>
-              <a:rPr lang="zh-CN" altLang="en-US" sz="2800" smtClean="0"/>
+              <a:rPr lang="zh-CN" altLang="en-US" sz="2800"/>
               <a:t>是以最少的人力、物力和时间</a:t>
             </a:r>
             <a:r>
-              <a:rPr lang="zh-CN" altLang="en-US" sz="2800" smtClean="0">
+              <a:rPr lang="zh-CN" altLang="en-US" sz="2800">
                 <a:solidFill>
                   <a:srgbClr val="FFFF00"/>
                 </a:solidFill>
@@ -26635,11 +26430,11 @@
               <a:t>找出</a:t>
             </a:r>
             <a:r>
-              <a:rPr lang="zh-CN" altLang="en-US" sz="2800" smtClean="0"/>
+              <a:rPr lang="zh-CN" altLang="en-US" sz="2800"/>
               <a:t>软件中潜在的各种错误和缺陷，通过</a:t>
             </a:r>
             <a:r>
-              <a:rPr lang="zh-CN" altLang="en-US" sz="2800" smtClean="0">
+              <a:rPr lang="zh-CN" altLang="en-US" sz="2800">
                 <a:solidFill>
                   <a:srgbClr val="FFFF00"/>
                 </a:solidFill>
@@ -26647,7 +26442,7 @@
               <a:t>修正</a:t>
             </a:r>
             <a:r>
-              <a:rPr lang="zh-CN" altLang="en-US" sz="2800" smtClean="0"/>
+              <a:rPr lang="zh-CN" altLang="en-US" sz="2800"/>
               <a:t>各种错误和缺陷提高软件质量，回避软件发布后由于潜在的软件缺陷和错误造成的隐患所带来的商业风险。 </a:t>
             </a:r>
           </a:p>
@@ -26952,11 +26747,11 @@
           <a:p>
             <a:pPr eaLnBrk="1" hangingPunct="1"/>
             <a:r>
-              <a:rPr lang="en-US" altLang="zh-CN" smtClean="0"/>
+              <a:rPr lang="en-US" altLang="zh-CN"/>
               <a:t>2.2  </a:t>
             </a:r>
             <a:r>
-              <a:rPr lang="zh-CN" altLang="en-US" smtClean="0"/>
+              <a:rPr lang="zh-CN" altLang="en-US"/>
               <a:t>软件测试的分类 </a:t>
             </a:r>
           </a:p>
@@ -26988,7 +26783,7 @@
               </a:lnSpc>
             </a:pPr>
             <a:r>
-              <a:rPr lang="zh-CN" altLang="en-US" smtClean="0"/>
+              <a:rPr lang="zh-CN" altLang="en-US"/>
               <a:t>本小节包含四个方面的内容：</a:t>
             </a:r>
           </a:p>
@@ -26999,11 +26794,11 @@
               </a:lnSpc>
             </a:pPr>
             <a:r>
-              <a:rPr lang="en-US" altLang="zh-CN" smtClean="0"/>
+              <a:rPr lang="en-US" altLang="zh-CN"/>
               <a:t>2.2.1 </a:t>
             </a:r>
             <a:r>
-              <a:rPr lang="zh-CN" altLang="en-US" smtClean="0"/>
+              <a:rPr lang="zh-CN" altLang="en-US"/>
               <a:t>按测试技术上分类</a:t>
             </a:r>
           </a:p>
@@ -27014,11 +26809,11 @@
               </a:lnSpc>
             </a:pPr>
             <a:r>
-              <a:rPr lang="en-US" altLang="zh-CN" smtClean="0"/>
+              <a:rPr lang="en-US" altLang="zh-CN"/>
               <a:t>2.2.2 </a:t>
             </a:r>
             <a:r>
-              <a:rPr lang="zh-CN" altLang="en-US" smtClean="0"/>
+              <a:rPr lang="zh-CN" altLang="en-US"/>
               <a:t>按测试方式上分类</a:t>
             </a:r>
           </a:p>
@@ -27029,11 +26824,11 @@
               </a:lnSpc>
             </a:pPr>
             <a:r>
-              <a:rPr lang="en-US" altLang="zh-CN" smtClean="0"/>
+              <a:rPr lang="en-US" altLang="zh-CN"/>
               <a:t>2.2.3 </a:t>
             </a:r>
             <a:r>
-              <a:rPr lang="zh-CN" altLang="en-US" smtClean="0"/>
+              <a:rPr lang="zh-CN" altLang="en-US"/>
               <a:t>按测试阶段分类</a:t>
             </a:r>
           </a:p>
@@ -27044,11 +26839,11 @@
               </a:lnSpc>
             </a:pPr>
             <a:r>
-              <a:rPr lang="en-US" altLang="zh-CN" smtClean="0"/>
+              <a:rPr lang="en-US" altLang="zh-CN"/>
               <a:t>2.2.4 </a:t>
             </a:r>
             <a:r>
-              <a:rPr lang="zh-CN" altLang="en-US" smtClean="0"/>
+              <a:rPr lang="zh-CN" altLang="en-US"/>
               <a:t>按测试实施组织分类</a:t>
             </a:r>
           </a:p>
@@ -27319,11 +27114,11 @@
           <a:p>
             <a:pPr eaLnBrk="1" hangingPunct="1"/>
             <a:r>
-              <a:rPr lang="en-US" altLang="zh-CN" smtClean="0"/>
+              <a:rPr lang="en-US" altLang="zh-CN"/>
               <a:t>2.2.1 </a:t>
             </a:r>
             <a:r>
-              <a:rPr lang="zh-CN" altLang="en-US" smtClean="0"/>
+              <a:rPr lang="zh-CN" altLang="en-US"/>
               <a:t>按测试技术上分类</a:t>
             </a:r>
           </a:p>
@@ -27355,7 +27150,7 @@
               </a:lnSpc>
             </a:pPr>
             <a:r>
-              <a:rPr lang="zh-CN" altLang="en-US" smtClean="0"/>
+              <a:rPr lang="zh-CN" altLang="en-US"/>
               <a:t>按测试技术，软件测试可以分为：</a:t>
             </a:r>
           </a:p>
@@ -27368,7 +27163,7 @@
               <a:buChar char="v"/>
             </a:pPr>
             <a:r>
-              <a:rPr lang="zh-CN" altLang="en-US" smtClean="0"/>
+              <a:rPr lang="zh-CN" altLang="en-US"/>
               <a:t>白盒测试技术 	</a:t>
             </a:r>
           </a:p>
@@ -27381,7 +27176,7 @@
               <a:buChar char="v"/>
             </a:pPr>
             <a:r>
-              <a:rPr lang="zh-CN" altLang="en-US" smtClean="0"/>
+              <a:rPr lang="zh-CN" altLang="en-US"/>
               <a:t>黑盒测试技术		</a:t>
             </a:r>
           </a:p>
@@ -27625,11 +27420,11 @@
           <a:p>
             <a:pPr eaLnBrk="1" hangingPunct="1"/>
             <a:r>
-              <a:rPr lang="en-US" altLang="zh-CN" dirty="0" smtClean="0"/>
+              <a:rPr lang="en-US" altLang="zh-CN" dirty="0"/>
               <a:t>2.2.1 </a:t>
             </a:r>
             <a:r>
-              <a:rPr lang="zh-CN" altLang="en-US" dirty="0" smtClean="0"/>
+              <a:rPr lang="zh-CN" altLang="en-US" dirty="0"/>
               <a:t>按测试技术上分类</a:t>
             </a:r>
           </a:p>
@@ -31087,11 +30882,11 @@
               </a:lnSpc>
             </a:pPr>
             <a:r>
-              <a:rPr lang="zh-CN" altLang="en-US" kern="0" dirty="0" smtClean="0"/>
+              <a:rPr lang="zh-CN" altLang="en-US" kern="0" dirty="0"/>
               <a:t>黑盒测试技术又称</a:t>
             </a:r>
             <a:r>
-              <a:rPr lang="zh-CN" altLang="en-US" dirty="0" smtClean="0">
+              <a:rPr lang="zh-CN" altLang="en-US" dirty="0">
                 <a:solidFill>
                   <a:srgbClr val="FF0000"/>
                 </a:solidFill>
@@ -31099,10 +30894,10 @@
               <a:t>功能</a:t>
             </a:r>
             <a:r>
-              <a:rPr lang="zh-CN" altLang="en-US" dirty="0" smtClean="0"/>
+              <a:rPr lang="zh-CN" altLang="en-US" dirty="0"/>
               <a:t>测试，</a:t>
             </a:r>
-            <a:endParaRPr lang="en-US" altLang="zh-CN" dirty="0" smtClean="0"/>
+            <a:endParaRPr lang="en-US" altLang="zh-CN" dirty="0"/>
           </a:p>
           <a:p>
             <a:pPr eaLnBrk="1" hangingPunct="1">
@@ -31111,7 +30906,7 @@
               </a:lnSpc>
             </a:pPr>
             <a:r>
-              <a:rPr lang="zh-CN" altLang="en-US" dirty="0" smtClean="0">
+              <a:rPr lang="zh-CN" altLang="en-US" dirty="0">
                 <a:solidFill>
                   <a:srgbClr val="FF0000"/>
                 </a:solidFill>
@@ -31119,10 +30914,10 @@
               <a:t>数据驱动</a:t>
             </a:r>
             <a:r>
-              <a:rPr lang="zh-CN" altLang="en-US" dirty="0" smtClean="0"/>
+              <a:rPr lang="zh-CN" altLang="en-US" dirty="0"/>
               <a:t>测试</a:t>
             </a:r>
-            <a:endParaRPr lang="zh-CN" altLang="en-US" kern="0" dirty="0" smtClean="0"/>
+            <a:endParaRPr lang="zh-CN" altLang="en-US" kern="0" dirty="0"/>
           </a:p>
           <a:p>
             <a:pPr eaLnBrk="1" hangingPunct="1">
@@ -31131,7 +30926,7 @@
               </a:lnSpc>
             </a:pPr>
             <a:r>
-              <a:rPr lang="zh-CN" altLang="en-US" kern="0" dirty="0" smtClean="0"/>
+              <a:rPr lang="zh-CN" altLang="en-US" kern="0" dirty="0"/>
               <a:t>		</a:t>
             </a:r>
           </a:p>
